--- a/resources/presentation.pptx
+++ b/resources/presentation.pptx
@@ -4,23 +4,24 @@
   <p:sldMasterIdLst>
     <p:sldMasterId id="2147483648" r:id="rId2"/>
     <p:sldMasterId id="2147483650" r:id="rId3"/>
-    <p:sldMasterId id="2147483653" r:id="rId4"/>
+    <p:sldMasterId id="2147483652" r:id="rId4"/>
+    <p:sldMasterId id="2147483654" r:id="rId5"/>
   </p:sldMasterIdLst>
   <p:sldIdLst>
-    <p:sldId id="256" r:id="rId5"/>
-    <p:sldId id="257" r:id="rId6"/>
-    <p:sldId id="258" r:id="rId7"/>
-    <p:sldId id="259" r:id="rId8"/>
-    <p:sldId id="260" r:id="rId9"/>
-    <p:sldId id="261" r:id="rId10"/>
-    <p:sldId id="262" r:id="rId11"/>
-    <p:sldId id="263" r:id="rId12"/>
-    <p:sldId id="264" r:id="rId13"/>
-    <p:sldId id="265" r:id="rId14"/>
-    <p:sldId id="266" r:id="rId15"/>
+    <p:sldId id="256" r:id="rId6"/>
+    <p:sldId id="257" r:id="rId7"/>
+    <p:sldId id="258" r:id="rId8"/>
+    <p:sldId id="259" r:id="rId9"/>
+    <p:sldId id="260" r:id="rId10"/>
+    <p:sldId id="261" r:id="rId11"/>
+    <p:sldId id="262" r:id="rId12"/>
+    <p:sldId id="263" r:id="rId13"/>
+    <p:sldId id="264" r:id="rId14"/>
+    <p:sldId id="265" r:id="rId15"/>
+    <p:sldId id="266" r:id="rId16"/>
   </p:sldIdLst>
   <p:sldSz cx="10080625" cy="5670550"/>
-  <p:notesSz cx="7559675" cy="10691813"/>
+  <p:notesSz cx="7772400" cy="10058400"/>
 </p:presentation>
 </file>
 
@@ -54,7 +55,7 @@
         <p:spPr>
           <a:xfrm>
             <a:off x="360000" y="225720"/>
-            <a:ext cx="9360000" cy="718920"/>
+            <a:ext cx="9359640" cy="718560"/>
           </a:xfrm>
           <a:prstGeom prst="rect">
             <a:avLst/>
@@ -69,14 +70,14 @@
             <a:noAutofit/>
           </a:bodyPr>
           <a:p>
-            <a:pPr indent="0">
+            <a:pPr indent="0" algn="ctr">
               <a:buNone/>
             </a:pPr>
-            <a:endParaRPr b="1" lang="en-US" sz="2700" spc="-1" strike="noStrike">
-              <a:solidFill>
-                <a:srgbClr val="ffffff"/>
-              </a:solidFill>
-              <a:latin typeface="Source Sans Pro Black"/>
+            <a:endParaRPr b="0" lang="en-US" sz="4400" spc="-1" strike="noStrike">
+              <a:solidFill>
+                <a:srgbClr val="000000"/>
+              </a:solidFill>
+              <a:latin typeface="Arial"/>
             </a:endParaRPr>
           </a:p>
         </p:txBody>
@@ -94,7 +95,7 @@
         <p:spPr>
           <a:xfrm>
             <a:off x="360000" y="1485000"/>
-            <a:ext cx="9360000" cy="3780000"/>
+            <a:ext cx="9359640" cy="3779640"/>
           </a:xfrm>
           <a:prstGeom prst="rect">
             <a:avLst/>
@@ -110,16 +111,16 @@
           </a:bodyPr>
           <a:p>
             <a:pPr indent="0">
-              <a:spcAft>
-                <a:spcPts val="1057"/>
-              </a:spcAft>
+              <a:spcBef>
+                <a:spcPts val="1417"/>
+              </a:spcBef>
               <a:buNone/>
             </a:pPr>
-            <a:endParaRPr b="1" lang="en-US" sz="2400" spc="-1" strike="noStrike">
-              <a:solidFill>
-                <a:srgbClr val="2c3e50"/>
-              </a:solidFill>
-              <a:latin typeface="Source Sans Pro Semibold"/>
+            <a:endParaRPr b="0" lang="en-US" sz="3200" spc="-1" strike="noStrike">
+              <a:solidFill>
+                <a:srgbClr val="000000"/>
+              </a:solidFill>
+              <a:latin typeface="Arial"/>
             </a:endParaRPr>
           </a:p>
         </p:txBody>
@@ -131,7 +132,7 @@
             <a:spLocks noGrp="1"/>
           </p:cNvSpPr>
           <p:nvPr>
-            <p:ph type="ftr" idx="2"/>
+            <p:ph type="ftr" idx="1"/>
           </p:nvPr>
         </p:nvSpPr>
         <p:spPr/>
@@ -151,14 +152,14 @@
             <a:spLocks noGrp="1"/>
           </p:cNvSpPr>
           <p:nvPr>
-            <p:ph type="sldNum" idx="3"/>
+            <p:ph type="sldNum" idx="2"/>
           </p:nvPr>
         </p:nvSpPr>
         <p:spPr/>
         <p:txBody>
           <a:bodyPr/>
           <a:p>
-            <a:fld id="{33568827-EBE9-4C27-BAFB-F0CE9C380CE8}" type="slidenum">
+            <a:fld id="{DDCBB0E8-E8F4-4A00-B4C6-0CE86F52761D}" type="slidenum">
               <a:t>&lt;#&gt;</a:t>
             </a:fld>
           </a:p>
@@ -171,7 +172,7 @@
             <a:spLocks noGrp="1"/>
           </p:cNvSpPr>
           <p:nvPr>
-            <p:ph type="dt" idx="1"/>
+            <p:ph type="dt" idx="3"/>
           </p:nvPr>
         </p:nvSpPr>
         <p:spPr/>
@@ -220,7 +221,7 @@
         <p:spPr>
           <a:xfrm>
             <a:off x="360000" y="225720"/>
-            <a:ext cx="9360000" cy="718920"/>
+            <a:ext cx="9359640" cy="718560"/>
           </a:xfrm>
           <a:prstGeom prst="rect">
             <a:avLst/>
@@ -235,14 +236,14 @@
             <a:noAutofit/>
           </a:bodyPr>
           <a:p>
-            <a:pPr indent="0">
+            <a:pPr indent="0" algn="ctr">
               <a:buNone/>
             </a:pPr>
-            <a:endParaRPr b="1" lang="en-US" sz="2700" spc="-1" strike="noStrike">
-              <a:solidFill>
-                <a:srgbClr val="ffffff"/>
-              </a:solidFill>
-              <a:latin typeface="Source Sans Pro Black"/>
+            <a:endParaRPr b="0" lang="en-US" sz="4400" spc="-1" strike="noStrike">
+              <a:solidFill>
+                <a:srgbClr val="000000"/>
+              </a:solidFill>
+              <a:latin typeface="Arial"/>
             </a:endParaRPr>
           </a:p>
         </p:txBody>
@@ -260,7 +261,7 @@
         <p:spPr>
           <a:xfrm>
             <a:off x="360000" y="1485000"/>
-            <a:ext cx="9360000" cy="3780000"/>
+            <a:ext cx="9359640" cy="3779640"/>
           </a:xfrm>
           <a:prstGeom prst="rect">
             <a:avLst/>
@@ -276,16 +277,16 @@
           </a:bodyPr>
           <a:p>
             <a:pPr indent="0">
-              <a:spcAft>
-                <a:spcPts val="1057"/>
-              </a:spcAft>
+              <a:spcBef>
+                <a:spcPts val="1417"/>
+              </a:spcBef>
               <a:buNone/>
             </a:pPr>
-            <a:endParaRPr b="1" lang="en-US" sz="2400" spc="-1" strike="noStrike">
-              <a:solidFill>
-                <a:srgbClr val="2c3e50"/>
-              </a:solidFill>
-              <a:latin typeface="Source Sans Pro Semibold"/>
+            <a:endParaRPr b="0" lang="en-US" sz="3200" spc="-1" strike="noStrike">
+              <a:solidFill>
+                <a:srgbClr val="000000"/>
+              </a:solidFill>
+              <a:latin typeface="Arial"/>
             </a:endParaRPr>
           </a:p>
         </p:txBody>
@@ -297,7 +298,7 @@
             <a:spLocks noGrp="1"/>
           </p:cNvSpPr>
           <p:nvPr>
-            <p:ph type="ftr" idx="5"/>
+            <p:ph type="ftr" idx="4"/>
           </p:nvPr>
         </p:nvSpPr>
         <p:spPr/>
@@ -317,14 +318,14 @@
             <a:spLocks noGrp="1"/>
           </p:cNvSpPr>
           <p:nvPr>
-            <p:ph type="sldNum" idx="6"/>
+            <p:ph type="sldNum" idx="5"/>
           </p:nvPr>
         </p:nvSpPr>
         <p:spPr/>
         <p:txBody>
           <a:bodyPr/>
           <a:p>
-            <a:fld id="{81AA2656-F1B2-4241-BAC0-220C913CB8CB}" type="slidenum">
+            <a:fld id="{3C892778-35FB-4957-A13E-68C0E74DB8C9}" type="slidenum">
               <a:t>&lt;#&gt;</a:t>
             </a:fld>
           </a:p>
@@ -337,7 +338,7 @@
             <a:spLocks noGrp="1"/>
           </p:cNvSpPr>
           <p:nvPr>
-            <p:ph type="dt" idx="4"/>
+            <p:ph type="dt" idx="6"/>
           </p:nvPr>
         </p:nvSpPr>
         <p:spPr/>
@@ -358,7 +359,7 @@
 
 <file path=ppt/slideLayouts/slideLayout3.xml><?xml version="1.0" encoding="utf-8"?>
 <p:sldLayout xmlns:a="http://schemas.openxmlformats.org/drawingml/2006/main" xmlns:p="http://schemas.openxmlformats.org/presentationml/2006/main" xmlns:r="http://schemas.openxmlformats.org/officeDocument/2006/relationships" xmlns:p14="http://schemas.microsoft.com/office/powerpoint/2010/main" xmlns:p15="http://schemas.microsoft.com/office/powerpoint/2012/main" xmlns:mc="http://schemas.openxmlformats.org/markup-compatibility/2006" type="title" preserve="1">
-  <p:cSld name="Midnightblue1">
+  <p:cSld name="Default">
     <p:spTree>
       <p:nvGrpSpPr>
         <p:cNvPr id="1" name=""/>
@@ -375,7 +376,7 @@
       </p:grpSpPr>
       <p:sp>
         <p:nvSpPr>
-          <p:cNvPr id="19" name="PlaceHolder 1"/>
+          <p:cNvPr id="26" name="PlaceHolder 1"/>
           <p:cNvSpPr>
             <a:spLocks noGrp="1"/>
           </p:cNvSpPr>
@@ -386,7 +387,7 @@
         <p:spPr>
           <a:xfrm>
             <a:off x="360000" y="225720"/>
-            <a:ext cx="9360000" cy="718920"/>
+            <a:ext cx="9359640" cy="718560"/>
           </a:xfrm>
           <a:prstGeom prst="rect">
             <a:avLst/>
@@ -401,21 +402,21 @@
             <a:noAutofit/>
           </a:bodyPr>
           <a:p>
-            <a:pPr indent="0">
+            <a:pPr indent="0" algn="ctr">
               <a:buNone/>
             </a:pPr>
-            <a:endParaRPr b="1" lang="en-US" sz="2700" spc="-1" strike="noStrike">
-              <a:solidFill>
-                <a:srgbClr val="ffffff"/>
-              </a:solidFill>
-              <a:latin typeface="Source Sans Pro Black"/>
-            </a:endParaRPr>
-          </a:p>
-        </p:txBody>
-      </p:sp>
-      <p:sp>
-        <p:nvSpPr>
-          <p:cNvPr id="20" name="PlaceHolder 2"/>
+            <a:endParaRPr b="0" lang="en-US" sz="4400" spc="-1" strike="noStrike">
+              <a:solidFill>
+                <a:srgbClr val="000000"/>
+              </a:solidFill>
+              <a:latin typeface="Arial"/>
+            </a:endParaRPr>
+          </a:p>
+        </p:txBody>
+      </p:sp>
+      <p:sp>
+        <p:nvSpPr>
+          <p:cNvPr id="27" name="PlaceHolder 2"/>
           <p:cNvSpPr>
             <a:spLocks noGrp="1"/>
           </p:cNvSpPr>
@@ -426,7 +427,7 @@
         <p:spPr>
           <a:xfrm>
             <a:off x="360000" y="1485000"/>
-            <a:ext cx="9360000" cy="3780000"/>
+            <a:ext cx="9359640" cy="3779640"/>
           </a:xfrm>
           <a:prstGeom prst="rect">
             <a:avLst/>
@@ -446,9 +447,9 @@
             </a:pPr>
             <a:endParaRPr b="0" lang="en-US" sz="3200" spc="-1" strike="noStrike">
               <a:solidFill>
-                <a:srgbClr val="2c3e50"/>
-              </a:solidFill>
-              <a:latin typeface="Source Sans Pro"/>
+                <a:srgbClr val="000000"/>
+              </a:solidFill>
+              <a:latin typeface="Arial"/>
             </a:endParaRPr>
           </a:p>
         </p:txBody>
@@ -460,7 +461,7 @@
             <a:spLocks noGrp="1"/>
           </p:cNvSpPr>
           <p:nvPr>
-            <p:ph type="ftr" idx="5"/>
+            <p:ph type="ftr" idx="7"/>
           </p:nvPr>
         </p:nvSpPr>
         <p:spPr/>
@@ -480,14 +481,14 @@
             <a:spLocks noGrp="1"/>
           </p:cNvSpPr>
           <p:nvPr>
-            <p:ph type="sldNum" idx="6"/>
+            <p:ph type="sldNum" idx="8"/>
           </p:nvPr>
         </p:nvSpPr>
         <p:spPr/>
         <p:txBody>
           <a:bodyPr/>
           <a:p>
-            <a:fld id="{B0B5B9DE-C6D9-42B7-BC95-A3455DA070E9}" type="slidenum">
+            <a:fld id="{41A14A36-6800-4E51-A206-336089EA5856}" type="slidenum">
               <a:t>&lt;#&gt;</a:t>
             </a:fld>
           </a:p>
@@ -500,7 +501,7 @@
             <a:spLocks noGrp="1"/>
           </p:cNvSpPr>
           <p:nvPr>
-            <p:ph type="dt" idx="4"/>
+            <p:ph type="dt" idx="9"/>
           </p:nvPr>
         </p:nvSpPr>
         <p:spPr/>
@@ -538,7 +539,7 @@
       </p:grpSpPr>
       <p:sp>
         <p:nvSpPr>
-          <p:cNvPr id="28" name="PlaceHolder 1"/>
+          <p:cNvPr id="35" name="PlaceHolder 1"/>
           <p:cNvSpPr>
             <a:spLocks noGrp="1"/>
           </p:cNvSpPr>
@@ -549,7 +550,7 @@
         <p:spPr>
           <a:xfrm>
             <a:off x="360000" y="225720"/>
-            <a:ext cx="9360000" cy="718920"/>
+            <a:ext cx="9359640" cy="718560"/>
           </a:xfrm>
           <a:prstGeom prst="rect">
             <a:avLst/>
@@ -564,21 +565,21 @@
             <a:noAutofit/>
           </a:bodyPr>
           <a:p>
-            <a:pPr indent="0">
+            <a:pPr indent="0" algn="ctr">
               <a:buNone/>
             </a:pPr>
-            <a:endParaRPr b="1" lang="en-US" sz="2700" spc="-1" strike="noStrike">
-              <a:solidFill>
-                <a:srgbClr val="ffffff"/>
-              </a:solidFill>
-              <a:latin typeface="Source Sans Pro Black"/>
-            </a:endParaRPr>
-          </a:p>
-        </p:txBody>
-      </p:sp>
-      <p:sp>
-        <p:nvSpPr>
-          <p:cNvPr id="29" name="PlaceHolder 2"/>
+            <a:endParaRPr b="0" lang="en-US" sz="4400" spc="-1" strike="noStrike">
+              <a:solidFill>
+                <a:srgbClr val="000000"/>
+              </a:solidFill>
+              <a:latin typeface="Arial"/>
+            </a:endParaRPr>
+          </a:p>
+        </p:txBody>
+      </p:sp>
+      <p:sp>
+        <p:nvSpPr>
+          <p:cNvPr id="36" name="PlaceHolder 2"/>
           <p:cNvSpPr>
             <a:spLocks noGrp="1"/>
           </p:cNvSpPr>
@@ -589,7 +590,7 @@
         <p:spPr>
           <a:xfrm>
             <a:off x="360000" y="1485000"/>
-            <a:ext cx="9360000" cy="3780000"/>
+            <a:ext cx="9359640" cy="3779640"/>
           </a:xfrm>
           <a:prstGeom prst="rect">
             <a:avLst/>
@@ -605,16 +606,16 @@
           </a:bodyPr>
           <a:p>
             <a:pPr indent="0">
-              <a:spcAft>
-                <a:spcPts val="1057"/>
-              </a:spcAft>
+              <a:spcBef>
+                <a:spcPts val="1417"/>
+              </a:spcBef>
               <a:buNone/>
             </a:pPr>
-            <a:endParaRPr b="1" lang="en-US" sz="2400" spc="-1" strike="noStrike">
-              <a:solidFill>
-                <a:srgbClr val="2c3e50"/>
-              </a:solidFill>
-              <a:latin typeface="Source Sans Pro Semibold"/>
+            <a:endParaRPr b="0" lang="en-US" sz="3200" spc="-1" strike="noStrike">
+              <a:solidFill>
+                <a:srgbClr val="000000"/>
+              </a:solidFill>
+              <a:latin typeface="Arial"/>
             </a:endParaRPr>
           </a:p>
         </p:txBody>
@@ -626,7 +627,7 @@
             <a:spLocks noGrp="1"/>
           </p:cNvSpPr>
           <p:nvPr>
-            <p:ph type="ftr" idx="8"/>
+            <p:ph type="ftr" idx="10"/>
           </p:nvPr>
         </p:nvSpPr>
         <p:spPr/>
@@ -646,14 +647,14 @@
             <a:spLocks noGrp="1"/>
           </p:cNvSpPr>
           <p:nvPr>
-            <p:ph type="sldNum" idx="9"/>
+            <p:ph type="sldNum" idx="11"/>
           </p:nvPr>
         </p:nvSpPr>
         <p:spPr/>
         <p:txBody>
           <a:bodyPr/>
           <a:p>
-            <a:fld id="{BC6FD96E-295A-48C1-B641-53D7180B463B}" type="slidenum">
+            <a:fld id="{E8781FF6-3520-4DE1-8636-A8DB3FB75AFE}" type="slidenum">
               <a:t>&lt;#&gt;</a:t>
             </a:fld>
           </a:p>
@@ -666,7 +667,7 @@
             <a:spLocks noGrp="1"/>
           </p:cNvSpPr>
           <p:nvPr>
-            <p:ph type="dt" idx="7"/>
+            <p:ph type="dt" idx="12"/>
           </p:nvPr>
         </p:nvSpPr>
         <p:spPr/>
@@ -711,7 +712,7 @@
         <p:spPr>
           <a:xfrm>
             <a:off x="0" y="5400000"/>
-            <a:ext cx="10080000" cy="270000"/>
+            <a:ext cx="10079640" cy="269640"/>
           </a:xfrm>
           <a:prstGeom prst="rect">
             <a:avLst/>
@@ -737,12 +738,17 @@
             <a:noAutofit/>
           </a:bodyPr>
           <a:p>
-            <a:pPr algn="ctr"/>
+            <a:pPr algn="ctr">
+              <a:lnSpc>
+                <a:spcPct val="100000"/>
+              </a:lnSpc>
+            </a:pPr>
             <a:endParaRPr b="0" lang="en-US" sz="1800" spc="-1" strike="noStrike">
               <a:solidFill>
                 <a:srgbClr val="2c3e50"/>
               </a:solidFill>
               <a:latin typeface="Source Sans Pro"/>
+              <a:ea typeface="DejaVu Sans"/>
             </a:endParaRPr>
           </a:p>
         </p:txBody>
@@ -756,7 +762,7 @@
         <p:spPr>
           <a:xfrm>
             <a:off x="0" y="0"/>
-            <a:ext cx="10080000" cy="1215000"/>
+            <a:ext cx="10079640" cy="1214640"/>
           </a:xfrm>
           <a:prstGeom prst="rect">
             <a:avLst/>
@@ -782,300 +788,31 @@
             <a:noAutofit/>
           </a:bodyPr>
           <a:p>
-            <a:pPr algn="ctr"/>
+            <a:pPr algn="ctr">
+              <a:lnSpc>
+                <a:spcPct val="100000"/>
+              </a:lnSpc>
+            </a:pPr>
             <a:endParaRPr b="0" lang="en-US" sz="1800" spc="-1" strike="noStrike">
               <a:solidFill>
                 <a:srgbClr val="2c3e50"/>
               </a:solidFill>
               <a:latin typeface="Source Sans Pro"/>
-            </a:endParaRPr>
-          </a:p>
-        </p:txBody>
-      </p:sp>
-      <p:sp>
-        <p:nvSpPr>
-          <p:cNvPr id="2" name="PlaceHolder 1"/>
-          <p:cNvSpPr>
-            <a:spLocks noGrp="1"/>
-          </p:cNvSpPr>
-          <p:nvPr>
-            <p:ph type="title"/>
-          </p:nvPr>
-        </p:nvSpPr>
-        <p:spPr>
-          <a:xfrm>
-            <a:off x="360000" y="225720"/>
-            <a:ext cx="9360000" cy="718920"/>
-          </a:xfrm>
-          <a:prstGeom prst="rect">
-            <a:avLst/>
-          </a:prstGeom>
-          <a:noFill/>
-          <a:ln w="0">
-            <a:noFill/>
-          </a:ln>
-        </p:spPr>
-        <p:txBody>
-          <a:bodyPr lIns="0" rIns="0" tIns="0" bIns="0" anchor="ctr">
-            <a:noAutofit/>
-          </a:bodyPr>
-          <a:p>
-            <a:pPr indent="0">
-              <a:buNone/>
-            </a:pPr>
-            <a:r>
-              <a:rPr b="1" lang="en-US" sz="2700" spc="-1" strike="noStrike">
-                <a:solidFill>
-                  <a:srgbClr val="ffffff"/>
-                </a:solidFill>
-                <a:latin typeface="Source Sans Pro Black"/>
-              </a:rPr>
-              <a:t>Click to edit the title text format</a:t>
-            </a:r>
-            <a:endParaRPr b="1" lang="en-US" sz="2700" spc="-1" strike="noStrike">
-              <a:solidFill>
-                <a:srgbClr val="ffffff"/>
-              </a:solidFill>
-              <a:latin typeface="Source Sans Pro Black"/>
-            </a:endParaRPr>
-          </a:p>
-        </p:txBody>
-      </p:sp>
-      <p:sp>
-        <p:nvSpPr>
-          <p:cNvPr id="3" name="PlaceHolder 2"/>
-          <p:cNvSpPr>
-            <a:spLocks noGrp="1"/>
-          </p:cNvSpPr>
-          <p:nvPr>
-            <p:ph type="body"/>
-          </p:nvPr>
-        </p:nvSpPr>
-        <p:spPr>
-          <a:xfrm>
-            <a:off x="360000" y="1485000"/>
-            <a:ext cx="9360000" cy="3780000"/>
-          </a:xfrm>
-          <a:prstGeom prst="rect">
-            <a:avLst/>
-          </a:prstGeom>
-          <a:noFill/>
-          <a:ln w="0">
-            <a:noFill/>
-          </a:ln>
-        </p:spPr>
-        <p:txBody>
-          <a:bodyPr lIns="0" rIns="0" tIns="0" bIns="0" anchor="t">
-            <a:normAutofit/>
-          </a:bodyPr>
-          <a:p>
-            <a:pPr marL="432000" indent="-324000">
-              <a:spcAft>
-                <a:spcPts val="1057"/>
-              </a:spcAft>
-              <a:buClr>
-                <a:srgbClr val="2c3e50"/>
-              </a:buClr>
-              <a:buSzPct val="45000"/>
-              <a:buFont typeface="Wingdings" charset="2"/>
-              <a:buChar char=""/>
-            </a:pPr>
-            <a:r>
-              <a:rPr b="1" lang="en-US" sz="2400" spc="-1" strike="noStrike">
-                <a:solidFill>
-                  <a:srgbClr val="2c3e50"/>
-                </a:solidFill>
-                <a:latin typeface="Source Sans Pro Semibold"/>
-              </a:rPr>
-              <a:t>Click to edit the outline text format</a:t>
-            </a:r>
-            <a:endParaRPr b="1" lang="en-US" sz="2400" spc="-1" strike="noStrike">
-              <a:solidFill>
-                <a:srgbClr val="2c3e50"/>
-              </a:solidFill>
-              <a:latin typeface="Source Sans Pro Semibold"/>
-            </a:endParaRPr>
-          </a:p>
-          <a:p>
-            <a:pPr lvl="1" marL="864000" indent="-324000">
-              <a:spcAft>
-                <a:spcPts val="850"/>
-              </a:spcAft>
-              <a:buClr>
-                <a:srgbClr val="2c3e50"/>
-              </a:buClr>
-              <a:buSzPct val="75000"/>
-              <a:buFont typeface="Symbol" charset="2"/>
-              <a:buChar char=""/>
-            </a:pPr>
-            <a:r>
-              <a:rPr b="0" lang="en-US" sz="2100" spc="-1" strike="noStrike">
-                <a:solidFill>
-                  <a:srgbClr val="2c3e50"/>
-                </a:solidFill>
-                <a:latin typeface="Source Sans Pro"/>
-              </a:rPr>
-              <a:t>Second Outline Level</a:t>
-            </a:r>
-            <a:endParaRPr b="0" lang="en-US" sz="2100" spc="-1" strike="noStrike">
-              <a:solidFill>
-                <a:srgbClr val="2c3e50"/>
-              </a:solidFill>
-              <a:latin typeface="Source Sans Pro"/>
-            </a:endParaRPr>
-          </a:p>
-          <a:p>
-            <a:pPr lvl="2" marL="1296000" indent="-288000">
-              <a:spcAft>
-                <a:spcPts val="635"/>
-              </a:spcAft>
-              <a:buClr>
-                <a:srgbClr val="2c3e50"/>
-              </a:buClr>
-              <a:buSzPct val="45000"/>
-              <a:buFont typeface="Wingdings" charset="2"/>
-              <a:buChar char=""/>
-            </a:pPr>
-            <a:r>
-              <a:rPr b="0" lang="en-US" sz="1800" spc="-1" strike="noStrike">
-                <a:solidFill>
-                  <a:srgbClr val="2c3e50"/>
-                </a:solidFill>
-                <a:latin typeface="Source Sans Pro"/>
-              </a:rPr>
-              <a:t>Third Outline Level</a:t>
-            </a:r>
-            <a:endParaRPr b="0" lang="en-US" sz="1800" spc="-1" strike="noStrike">
-              <a:solidFill>
-                <a:srgbClr val="2c3e50"/>
-              </a:solidFill>
-              <a:latin typeface="Source Sans Pro"/>
-            </a:endParaRPr>
-          </a:p>
-          <a:p>
-            <a:pPr lvl="3" marL="1728000" indent="-216000">
-              <a:spcAft>
-                <a:spcPts val="425"/>
-              </a:spcAft>
-              <a:buClr>
-                <a:srgbClr val="2c3e50"/>
-              </a:buClr>
-              <a:buSzPct val="75000"/>
-              <a:buFont typeface="Symbol" charset="2"/>
-              <a:buChar char=""/>
-            </a:pPr>
-            <a:r>
-              <a:rPr b="0" lang="en-US" sz="1500" spc="-1" strike="noStrike">
-                <a:solidFill>
-                  <a:srgbClr val="2c3e50"/>
-                </a:solidFill>
-                <a:latin typeface="Source Sans Pro"/>
-              </a:rPr>
-              <a:t>Fourth Outline Level</a:t>
-            </a:r>
-            <a:endParaRPr b="0" lang="en-US" sz="1500" spc="-1" strike="noStrike">
-              <a:solidFill>
-                <a:srgbClr val="2c3e50"/>
-              </a:solidFill>
-              <a:latin typeface="Source Sans Pro"/>
-            </a:endParaRPr>
-          </a:p>
-          <a:p>
-            <a:pPr lvl="4" marL="2160000" indent="-216000">
-              <a:spcAft>
-                <a:spcPts val="213"/>
-              </a:spcAft>
-              <a:buClr>
-                <a:srgbClr val="2c3e50"/>
-              </a:buClr>
-              <a:buSzPct val="45000"/>
-              <a:buFont typeface="Wingdings" charset="2"/>
-              <a:buChar char=""/>
-            </a:pPr>
-            <a:r>
-              <a:rPr b="0" lang="en-US" sz="1500" spc="-1" strike="noStrike">
-                <a:solidFill>
-                  <a:srgbClr val="2c3e50"/>
-                </a:solidFill>
-                <a:latin typeface="Source Sans Pro"/>
-              </a:rPr>
-              <a:t>Fifth Outline Level</a:t>
-            </a:r>
-            <a:endParaRPr b="0" lang="en-US" sz="1500" spc="-1" strike="noStrike">
-              <a:solidFill>
-                <a:srgbClr val="2c3e50"/>
-              </a:solidFill>
-              <a:latin typeface="Source Sans Pro"/>
-            </a:endParaRPr>
-          </a:p>
-          <a:p>
-            <a:pPr lvl="5" marL="2592000" indent="-216000">
-              <a:spcAft>
-                <a:spcPts val="213"/>
-              </a:spcAft>
-              <a:buClr>
-                <a:srgbClr val="2c3e50"/>
-              </a:buClr>
-              <a:buSzPct val="45000"/>
-              <a:buFont typeface="Wingdings" charset="2"/>
-              <a:buChar char=""/>
-            </a:pPr>
-            <a:r>
-              <a:rPr b="0" lang="en-US" sz="1500" spc="-1" strike="noStrike">
-                <a:solidFill>
-                  <a:srgbClr val="2c3e50"/>
-                </a:solidFill>
-                <a:latin typeface="Source Sans Pro"/>
-              </a:rPr>
-              <a:t>Sixth Outline Level</a:t>
-            </a:r>
-            <a:endParaRPr b="0" lang="en-US" sz="1500" spc="-1" strike="noStrike">
-              <a:solidFill>
-                <a:srgbClr val="2c3e50"/>
-              </a:solidFill>
-              <a:latin typeface="Source Sans Pro"/>
-            </a:endParaRPr>
-          </a:p>
-          <a:p>
-            <a:pPr lvl="6" marL="3024000" indent="-216000">
-              <a:spcAft>
-                <a:spcPts val="213"/>
-              </a:spcAft>
-              <a:buClr>
-                <a:srgbClr val="2c3e50"/>
-              </a:buClr>
-              <a:buSzPct val="45000"/>
-              <a:buFont typeface="Wingdings" charset="2"/>
-              <a:buChar char=""/>
-            </a:pPr>
-            <a:r>
-              <a:rPr b="0" lang="en-US" sz="1500" spc="-1" strike="noStrike">
-                <a:solidFill>
-                  <a:srgbClr val="2c3e50"/>
-                </a:solidFill>
-                <a:latin typeface="Source Sans Pro"/>
-              </a:rPr>
-              <a:t>Seventh Outline Level</a:t>
-            </a:r>
-            <a:endParaRPr b="0" lang="en-US" sz="1500" spc="-1" strike="noStrike">
-              <a:solidFill>
-                <a:srgbClr val="2c3e50"/>
-              </a:solidFill>
-              <a:latin typeface="Source Sans Pro"/>
-            </a:endParaRPr>
-          </a:p>
-        </p:txBody>
-      </p:sp>
-      <p:sp>
-        <p:nvSpPr>
-          <p:cNvPr id="4" name=""/>
+              <a:ea typeface="DejaVu Sans"/>
+            </a:endParaRPr>
+          </a:p>
+        </p:txBody>
+      </p:sp>
+      <p:sp>
+        <p:nvSpPr>
+          <p:cNvPr id="2" name=""/>
           <p:cNvSpPr/>
           <p:nvPr/>
         </p:nvSpPr>
         <p:spPr>
           <a:xfrm>
             <a:off x="9315000" y="5175000"/>
-            <a:ext cx="450000" cy="450000"/>
+            <a:ext cx="449640" cy="449640"/>
           </a:xfrm>
           <a:prstGeom prst="ellipse">
             <a:avLst/>
@@ -1101,30 +838,309 @@
             <a:noAutofit/>
           </a:bodyPr>
           <a:p>
-            <a:pPr algn="ctr"/>
+            <a:pPr algn="ctr">
+              <a:lnSpc>
+                <a:spcPct val="100000"/>
+              </a:lnSpc>
+            </a:pPr>
             <a:endParaRPr b="0" lang="en-US" sz="1800" spc="-1" strike="noStrike">
               <a:solidFill>
                 <a:srgbClr val="2c3e50"/>
               </a:solidFill>
               <a:latin typeface="Source Sans Pro"/>
-            </a:endParaRPr>
-          </a:p>
-        </p:txBody>
-      </p:sp>
-      <p:sp>
-        <p:nvSpPr>
-          <p:cNvPr id="5" name="PlaceHolder 3"/>
-          <p:cNvSpPr>
-            <a:spLocks noGrp="1"/>
-          </p:cNvSpPr>
-          <p:nvPr>
-            <p:ph type="dt" idx="1"/>
+              <a:ea typeface="DejaVu Sans"/>
+            </a:endParaRPr>
+          </a:p>
+        </p:txBody>
+      </p:sp>
+      <p:sp>
+        <p:nvSpPr>
+          <p:cNvPr id="3" name="PlaceHolder 1"/>
+          <p:cNvSpPr>
+            <a:spLocks noGrp="1"/>
+          </p:cNvSpPr>
+          <p:nvPr>
+            <p:ph type="title"/>
           </p:nvPr>
         </p:nvSpPr>
         <p:spPr>
           <a:xfrm>
-            <a:off x="360000" y="5400000"/>
-            <a:ext cx="2880000" cy="270000"/>
+            <a:off x="360000" y="225720"/>
+            <a:ext cx="9359640" cy="718560"/>
+          </a:xfrm>
+          <a:prstGeom prst="rect">
+            <a:avLst/>
+          </a:prstGeom>
+          <a:noFill/>
+          <a:ln w="0">
+            <a:noFill/>
+          </a:ln>
+        </p:spPr>
+        <p:txBody>
+          <a:bodyPr lIns="0" rIns="0" tIns="0" bIns="0" anchor="ctr">
+            <a:noAutofit/>
+          </a:bodyPr>
+          <a:p>
+            <a:pPr indent="0">
+              <a:buNone/>
+            </a:pPr>
+            <a:r>
+              <a:rPr b="0" lang="en-US" sz="1800" spc="-1" strike="noStrike">
+                <a:solidFill>
+                  <a:srgbClr val="000000"/>
+                </a:solidFill>
+                <a:latin typeface="Arial"/>
+              </a:rPr>
+              <a:t>Click to edit the title text format</a:t>
+            </a:r>
+            <a:endParaRPr b="0" lang="en-US" sz="1800" spc="-1" strike="noStrike">
+              <a:solidFill>
+                <a:srgbClr val="000000"/>
+              </a:solidFill>
+              <a:latin typeface="Arial"/>
+            </a:endParaRPr>
+          </a:p>
+        </p:txBody>
+      </p:sp>
+      <p:sp>
+        <p:nvSpPr>
+          <p:cNvPr id="4" name="PlaceHolder 2"/>
+          <p:cNvSpPr>
+            <a:spLocks noGrp="1"/>
+          </p:cNvSpPr>
+          <p:nvPr>
+            <p:ph type="body"/>
+          </p:nvPr>
+        </p:nvSpPr>
+        <p:spPr>
+          <a:xfrm>
+            <a:off x="360000" y="1485000"/>
+            <a:ext cx="9359640" cy="3779640"/>
+          </a:xfrm>
+          <a:prstGeom prst="rect">
+            <a:avLst/>
+          </a:prstGeom>
+          <a:noFill/>
+          <a:ln w="0">
+            <a:noFill/>
+          </a:ln>
+        </p:spPr>
+        <p:txBody>
+          <a:bodyPr lIns="0" rIns="0" tIns="0" bIns="0" anchor="t">
+            <a:normAutofit/>
+          </a:bodyPr>
+          <a:p>
+            <a:pPr marL="432000" indent="-324000">
+              <a:spcBef>
+                <a:spcPts val="1417"/>
+              </a:spcBef>
+              <a:buClr>
+                <a:srgbClr val="000000"/>
+              </a:buClr>
+              <a:buSzPct val="45000"/>
+              <a:buFont typeface="Wingdings" charset="2"/>
+              <a:buChar char=""/>
+            </a:pPr>
+            <a:r>
+              <a:rPr b="0" lang="en-US" sz="1800" spc="-1" strike="noStrike">
+                <a:solidFill>
+                  <a:srgbClr val="000000"/>
+                </a:solidFill>
+                <a:latin typeface="Arial"/>
+              </a:rPr>
+              <a:t>Click to edit the outline text format</a:t>
+            </a:r>
+            <a:endParaRPr b="0" lang="en-US" sz="1800" spc="-1" strike="noStrike">
+              <a:solidFill>
+                <a:srgbClr val="000000"/>
+              </a:solidFill>
+              <a:latin typeface="Arial"/>
+            </a:endParaRPr>
+          </a:p>
+          <a:p>
+            <a:pPr lvl="1" marL="864000" indent="-324000">
+              <a:spcBef>
+                <a:spcPts val="1134"/>
+              </a:spcBef>
+              <a:buClr>
+                <a:srgbClr val="000000"/>
+              </a:buClr>
+              <a:buSzPct val="75000"/>
+              <a:buFont typeface="Symbol" charset="2"/>
+              <a:buChar char=""/>
+            </a:pPr>
+            <a:r>
+              <a:rPr b="0" lang="en-US" sz="1800" spc="-1" strike="noStrike">
+                <a:solidFill>
+                  <a:srgbClr val="000000"/>
+                </a:solidFill>
+                <a:latin typeface="Arial"/>
+              </a:rPr>
+              <a:t>Second Outline Level</a:t>
+            </a:r>
+            <a:endParaRPr b="0" lang="en-US" sz="1800" spc="-1" strike="noStrike">
+              <a:solidFill>
+                <a:srgbClr val="000000"/>
+              </a:solidFill>
+              <a:latin typeface="Arial"/>
+            </a:endParaRPr>
+          </a:p>
+          <a:p>
+            <a:pPr lvl="2" marL="1296000" indent="-288000">
+              <a:spcBef>
+                <a:spcPts val="850"/>
+              </a:spcBef>
+              <a:buClr>
+                <a:srgbClr val="000000"/>
+              </a:buClr>
+              <a:buSzPct val="45000"/>
+              <a:buFont typeface="Wingdings" charset="2"/>
+              <a:buChar char=""/>
+            </a:pPr>
+            <a:r>
+              <a:rPr b="0" lang="en-US" sz="1800" spc="-1" strike="noStrike">
+                <a:solidFill>
+                  <a:srgbClr val="000000"/>
+                </a:solidFill>
+                <a:latin typeface="Arial"/>
+              </a:rPr>
+              <a:t>Third Outline Level</a:t>
+            </a:r>
+            <a:endParaRPr b="0" lang="en-US" sz="1800" spc="-1" strike="noStrike">
+              <a:solidFill>
+                <a:srgbClr val="000000"/>
+              </a:solidFill>
+              <a:latin typeface="Arial"/>
+            </a:endParaRPr>
+          </a:p>
+          <a:p>
+            <a:pPr lvl="3" marL="1728000" indent="-216000">
+              <a:spcBef>
+                <a:spcPts val="567"/>
+              </a:spcBef>
+              <a:buClr>
+                <a:srgbClr val="000000"/>
+              </a:buClr>
+              <a:buSzPct val="75000"/>
+              <a:buFont typeface="Symbol" charset="2"/>
+              <a:buChar char=""/>
+            </a:pPr>
+            <a:r>
+              <a:rPr b="0" lang="en-US" sz="1800" spc="-1" strike="noStrike">
+                <a:solidFill>
+                  <a:srgbClr val="000000"/>
+                </a:solidFill>
+                <a:latin typeface="Arial"/>
+              </a:rPr>
+              <a:t>Fourth Outline Level</a:t>
+            </a:r>
+            <a:endParaRPr b="0" lang="en-US" sz="1800" spc="-1" strike="noStrike">
+              <a:solidFill>
+                <a:srgbClr val="000000"/>
+              </a:solidFill>
+              <a:latin typeface="Arial"/>
+            </a:endParaRPr>
+          </a:p>
+          <a:p>
+            <a:pPr lvl="4" marL="2160000" indent="-216000">
+              <a:spcBef>
+                <a:spcPts val="283"/>
+              </a:spcBef>
+              <a:buClr>
+                <a:srgbClr val="000000"/>
+              </a:buClr>
+              <a:buSzPct val="45000"/>
+              <a:buFont typeface="Wingdings" charset="2"/>
+              <a:buChar char=""/>
+            </a:pPr>
+            <a:r>
+              <a:rPr b="0" lang="en-US" sz="1800" spc="-1" strike="noStrike">
+                <a:solidFill>
+                  <a:srgbClr val="000000"/>
+                </a:solidFill>
+                <a:latin typeface="Arial"/>
+              </a:rPr>
+              <a:t>Fifth Outline Level</a:t>
+            </a:r>
+            <a:endParaRPr b="0" lang="en-US" sz="1800" spc="-1" strike="noStrike">
+              <a:solidFill>
+                <a:srgbClr val="000000"/>
+              </a:solidFill>
+              <a:latin typeface="Arial"/>
+            </a:endParaRPr>
+          </a:p>
+          <a:p>
+            <a:pPr lvl="5" marL="2592000" indent="-216000">
+              <a:spcBef>
+                <a:spcPts val="283"/>
+              </a:spcBef>
+              <a:buClr>
+                <a:srgbClr val="000000"/>
+              </a:buClr>
+              <a:buSzPct val="45000"/>
+              <a:buFont typeface="Wingdings" charset="2"/>
+              <a:buChar char=""/>
+            </a:pPr>
+            <a:r>
+              <a:rPr b="0" lang="en-US" sz="1800" spc="-1" strike="noStrike">
+                <a:solidFill>
+                  <a:srgbClr val="000000"/>
+                </a:solidFill>
+                <a:latin typeface="Arial"/>
+              </a:rPr>
+              <a:t>Sixth Outline Level</a:t>
+            </a:r>
+            <a:endParaRPr b="0" lang="en-US" sz="1800" spc="-1" strike="noStrike">
+              <a:solidFill>
+                <a:srgbClr val="000000"/>
+              </a:solidFill>
+              <a:latin typeface="Arial"/>
+            </a:endParaRPr>
+          </a:p>
+          <a:p>
+            <a:pPr lvl="6" marL="3024000" indent="-216000">
+              <a:spcBef>
+                <a:spcPts val="283"/>
+              </a:spcBef>
+              <a:buClr>
+                <a:srgbClr val="000000"/>
+              </a:buClr>
+              <a:buSzPct val="45000"/>
+              <a:buFont typeface="Wingdings" charset="2"/>
+              <a:buChar char=""/>
+            </a:pPr>
+            <a:r>
+              <a:rPr b="0" lang="en-US" sz="1800" spc="-1" strike="noStrike">
+                <a:solidFill>
+                  <a:srgbClr val="000000"/>
+                </a:solidFill>
+                <a:latin typeface="Arial"/>
+              </a:rPr>
+              <a:t>Seventh Outline Level</a:t>
+            </a:r>
+            <a:endParaRPr b="0" lang="en-US" sz="1800" spc="-1" strike="noStrike">
+              <a:solidFill>
+                <a:srgbClr val="000000"/>
+              </a:solidFill>
+              <a:latin typeface="Arial"/>
+            </a:endParaRPr>
+          </a:p>
+        </p:txBody>
+      </p:sp>
+      <p:sp>
+        <p:nvSpPr>
+          <p:cNvPr id="5" name="PlaceHolder 3"/>
+          <p:cNvSpPr>
+            <a:spLocks noGrp="1"/>
+          </p:cNvSpPr>
+          <p:nvPr>
+            <p:ph type="ftr" idx="1"/>
+          </p:nvPr>
+        </p:nvSpPr>
+        <p:spPr>
+          <a:xfrm>
+            <a:off x="3420000" y="5400000"/>
+            <a:ext cx="3239640" cy="269640"/>
           </a:xfrm>
           <a:prstGeom prst="rect">
             <a:avLst/>
@@ -1139,8 +1155,14 @@
             <a:noAutofit/>
           </a:bodyPr>
           <a:lstStyle>
-            <a:lvl1pPr indent="0">
+            <a:lvl1pPr indent="0" algn="ctr">
+              <a:lnSpc>
+                <a:spcPct val="100000"/>
+              </a:lnSpc>
               <a:buNone/>
+              <a:tabLst>
+                <a:tab algn="l" pos="0"/>
+              </a:tabLst>
               <a:defRPr b="1" lang="en-US" sz="1800" spc="-1" strike="noStrike">
                 <a:solidFill>
                   <a:srgbClr val="ffffff"/>
@@ -1150,8 +1172,14 @@
             </a:lvl1pPr>
           </a:lstStyle>
           <a:p>
-            <a:pPr indent="0">
+            <a:pPr indent="0" algn="ctr">
+              <a:lnSpc>
+                <a:spcPct val="100000"/>
+              </a:lnSpc>
               <a:buNone/>
+              <a:tabLst>
+                <a:tab algn="l" pos="0"/>
+              </a:tabLst>
             </a:pPr>
             <a:r>
               <a:rPr b="1" lang="en-US" sz="1800" spc="-1" strike="noStrike">
@@ -1160,13 +1188,13 @@
                 </a:solidFill>
                 <a:latin typeface="Source Sans Pro Black"/>
               </a:rPr>
-              <a:t>&lt;date/time&gt;</a:t>
-            </a:r>
-            <a:endParaRPr b="1" lang="en-US" sz="1800" spc="-1" strike="noStrike">
-              <a:solidFill>
-                <a:srgbClr val="ffffff"/>
-              </a:solidFill>
-              <a:latin typeface="Source Sans Pro Black"/>
+              <a:t>&lt;footer&gt;</a:t>
+            </a:r>
+            <a:endParaRPr b="0" lang="en-US" sz="1800" spc="-1" strike="noStrike">
+              <a:solidFill>
+                <a:srgbClr val="000000"/>
+              </a:solidFill>
+              <a:latin typeface="Times New Roman"/>
             </a:endParaRPr>
           </a:p>
         </p:txBody>
@@ -1178,13 +1206,13 @@
             <a:spLocks noGrp="1"/>
           </p:cNvSpPr>
           <p:nvPr>
-            <p:ph type="ftr" idx="2"/>
+            <p:ph type="sldNum" idx="2"/>
           </p:nvPr>
         </p:nvSpPr>
         <p:spPr>
           <a:xfrm>
-            <a:off x="3420000" y="5400000"/>
-            <a:ext cx="3240000" cy="270000"/>
+            <a:off x="9180000" y="5175000"/>
+            <a:ext cx="719640" cy="449640"/>
           </a:xfrm>
           <a:prstGeom prst="rect">
             <a:avLst/>
@@ -1195,12 +1223,18 @@
           </a:ln>
         </p:spPr>
         <p:txBody>
-          <a:bodyPr lIns="0" rIns="0" tIns="0" bIns="0" anchor="t">
+          <a:bodyPr lIns="0" rIns="0" tIns="0" bIns="0" anchor="ctr">
             <a:noAutofit/>
           </a:bodyPr>
           <a:lstStyle>
             <a:lvl1pPr indent="0" algn="ctr">
+              <a:lnSpc>
+                <a:spcPct val="100000"/>
+              </a:lnSpc>
               <a:buNone/>
+              <a:tabLst>
+                <a:tab algn="l" pos="0"/>
+              </a:tabLst>
               <a:defRPr b="1" lang="en-US" sz="1800" spc="-1" strike="noStrike">
                 <a:solidFill>
                   <a:srgbClr val="ffffff"/>
@@ -1211,22 +1245,28 @@
           </a:lstStyle>
           <a:p>
             <a:pPr indent="0" algn="ctr">
+              <a:lnSpc>
+                <a:spcPct val="100000"/>
+              </a:lnSpc>
               <a:buNone/>
-            </a:pPr>
-            <a:r>
+              <a:tabLst>
+                <a:tab algn="l" pos="0"/>
+              </a:tabLst>
+            </a:pPr>
+            <a:fld id="{B9EB545B-32EB-46E4-957A-1ADAE0516C54}" type="slidenum">
               <a:rPr b="1" lang="en-US" sz="1800" spc="-1" strike="noStrike">
                 <a:solidFill>
                   <a:srgbClr val="ffffff"/>
                 </a:solidFill>
                 <a:latin typeface="Source Sans Pro Black"/>
               </a:rPr>
-              <a:t>&lt;footer&gt;</a:t>
-            </a:r>
-            <a:endParaRPr b="1" lang="en-US" sz="1800" spc="-1" strike="noStrike">
-              <a:solidFill>
-                <a:srgbClr val="ffffff"/>
-              </a:solidFill>
-              <a:latin typeface="Source Sans Pro Black"/>
+              <a:t>&lt;number&gt;</a:t>
+            </a:fld>
+            <a:endParaRPr b="0" lang="en-US" sz="1800" spc="-1" strike="noStrike">
+              <a:solidFill>
+                <a:srgbClr val="000000"/>
+              </a:solidFill>
+              <a:latin typeface="Times New Roman"/>
             </a:endParaRPr>
           </a:p>
         </p:txBody>
@@ -1238,13 +1278,13 @@
             <a:spLocks noGrp="1"/>
           </p:cNvSpPr>
           <p:nvPr>
-            <p:ph type="sldNum" idx="3"/>
+            <p:ph type="dt" idx="3"/>
           </p:nvPr>
         </p:nvSpPr>
         <p:spPr>
           <a:xfrm>
-            <a:off x="9180000" y="5175000"/>
-            <a:ext cx="720000" cy="450000"/>
+            <a:off x="360000" y="5400000"/>
+            <a:ext cx="2879640" cy="269640"/>
           </a:xfrm>
           <a:prstGeom prst="rect">
             <a:avLst/>
@@ -1255,38 +1295,38 @@
           </a:ln>
         </p:spPr>
         <p:txBody>
-          <a:bodyPr lIns="0" rIns="0" tIns="0" bIns="0" anchor="ctr">
+          <a:bodyPr lIns="0" rIns="0" tIns="0" bIns="0" anchor="t">
             <a:noAutofit/>
           </a:bodyPr>
           <a:lstStyle>
-            <a:lvl1pPr indent="0" algn="ctr">
+            <a:lvl1pPr indent="0">
               <a:buNone/>
-              <a:defRPr b="1" lang="en-US" sz="1800" spc="-1" strike="noStrike">
-                <a:solidFill>
-                  <a:srgbClr val="ffffff"/>
-                </a:solidFill>
-                <a:latin typeface="Source Sans Pro Black"/>
+              <a:defRPr b="0" lang="en-US" sz="1400" spc="-1" strike="noStrike">
+                <a:solidFill>
+                  <a:srgbClr val="000000"/>
+                </a:solidFill>
+                <a:latin typeface="Times New Roman"/>
               </a:defRPr>
             </a:lvl1pPr>
           </a:lstStyle>
           <a:p>
-            <a:pPr indent="0" algn="ctr">
+            <a:pPr indent="0">
               <a:buNone/>
             </a:pPr>
-            <a:fld id="{59991EAE-66A3-4FF1-98D2-FED7CA3E84E4}" type="slidenum">
-              <a:rPr b="1" lang="en-US" sz="1800" spc="-1" strike="noStrike">
-                <a:solidFill>
-                  <a:srgbClr val="ffffff"/>
-                </a:solidFill>
-                <a:latin typeface="Source Sans Pro Black"/>
-              </a:rPr>
-              <a:t>&lt;number&gt;</a:t>
-            </a:fld>
-            <a:endParaRPr b="1" lang="en-US" sz="1800" spc="-1" strike="noStrike">
-              <a:solidFill>
-                <a:srgbClr val="ffffff"/>
-              </a:solidFill>
-              <a:latin typeface="Source Sans Pro Black"/>
+            <a:r>
+              <a:rPr b="0" lang="en-US" sz="1400" spc="-1" strike="noStrike">
+                <a:solidFill>
+                  <a:srgbClr val="000000"/>
+                </a:solidFill>
+                <a:latin typeface="Times New Roman"/>
+              </a:rPr>
+              <a:t>&lt;date/time&gt;</a:t>
+            </a:r>
+            <a:endParaRPr b="0" lang="en-US" sz="1400" spc="-1" strike="noStrike">
+              <a:solidFill>
+                <a:srgbClr val="000000"/>
+              </a:solidFill>
+              <a:latin typeface="Times New Roman"/>
             </a:endParaRPr>
           </a:p>
         </p:txBody>
@@ -1326,7 +1366,7 @@
         <p:spPr>
           <a:xfrm>
             <a:off x="0" y="0"/>
-            <a:ext cx="10080000" cy="5670000"/>
+            <a:ext cx="10079640" cy="5669640"/>
           </a:xfrm>
           <a:prstGeom prst="rect">
             <a:avLst/>
@@ -1349,12 +1389,17 @@
             <a:noAutofit/>
           </a:bodyPr>
           <a:p>
-            <a:pPr algn="ctr"/>
+            <a:pPr algn="ctr">
+              <a:lnSpc>
+                <a:spcPct val="100000"/>
+              </a:lnSpc>
+            </a:pPr>
             <a:endParaRPr b="0" lang="en-US" sz="1800" spc="-1" strike="noStrike">
               <a:solidFill>
                 <a:srgbClr val="2c3e50"/>
               </a:solidFill>
               <a:latin typeface="Source Sans Pro"/>
+              <a:ea typeface="DejaVu Sans"/>
             </a:endParaRPr>
           </a:p>
         </p:txBody>
@@ -1368,7 +1413,7 @@
         <p:spPr>
           <a:xfrm>
             <a:off x="0" y="0"/>
-            <a:ext cx="10080000" cy="3780000"/>
+            <a:ext cx="10079640" cy="3779640"/>
           </a:xfrm>
           <a:prstGeom prst="rect">
             <a:avLst/>
@@ -1394,12 +1439,17 @@
             <a:noAutofit/>
           </a:bodyPr>
           <a:p>
-            <a:pPr algn="ctr"/>
+            <a:pPr algn="ctr">
+              <a:lnSpc>
+                <a:spcPct val="100000"/>
+              </a:lnSpc>
+            </a:pPr>
             <a:endParaRPr b="0" lang="en-US" sz="1800" spc="-1" strike="noStrike">
               <a:solidFill>
                 <a:srgbClr val="2c3e50"/>
               </a:solidFill>
               <a:latin typeface="Source Sans Pro"/>
+              <a:ea typeface="DejaVu Sans"/>
             </a:endParaRPr>
           </a:p>
         </p:txBody>
@@ -1416,8 +1466,8 @@
         </p:nvSpPr>
         <p:spPr>
           <a:xfrm>
-            <a:off x="360000" y="2835000"/>
-            <a:ext cx="9360000" cy="718920"/>
+            <a:off x="360000" y="225720"/>
+            <a:ext cx="9359640" cy="718560"/>
           </a:xfrm>
           <a:prstGeom prst="rect">
             <a:avLst/>
@@ -1428,30 +1478,27 @@
           </a:ln>
         </p:spPr>
         <p:txBody>
-          <a:bodyPr lIns="0" rIns="0" tIns="0" bIns="0" anchor="ctr" anchorCtr="1">
+          <a:bodyPr lIns="0" rIns="0" tIns="0" bIns="0" anchor="ctr">
             <a:noAutofit/>
           </a:bodyPr>
           <a:p>
-            <a:pPr indent="0" algn="ctr">
-              <a:lnSpc>
-                <a:spcPct val="150000"/>
-              </a:lnSpc>
+            <a:pPr indent="0">
               <a:buNone/>
             </a:pPr>
             <a:r>
-              <a:rPr b="1" lang="en-US" sz="2700" spc="-1" strike="noStrike">
-                <a:solidFill>
-                  <a:srgbClr val="ffffff"/>
-                </a:solidFill>
-                <a:latin typeface="Source Sans Pro Black"/>
+              <a:rPr b="0" lang="en-US" sz="1800" spc="-1" strike="noStrike">
+                <a:solidFill>
+                  <a:srgbClr val="000000"/>
+                </a:solidFill>
+                <a:latin typeface="Arial"/>
               </a:rPr>
               <a:t>Click to edit the title text format</a:t>
             </a:r>
-            <a:endParaRPr b="1" lang="en-US" sz="2700" spc="-1" strike="noStrike">
-              <a:solidFill>
-                <a:srgbClr val="ffffff"/>
-              </a:solidFill>
-              <a:latin typeface="Source Sans Pro Black"/>
+            <a:endParaRPr b="0" lang="en-US" sz="1800" spc="-1" strike="noStrike">
+              <a:solidFill>
+                <a:srgbClr val="000000"/>
+              </a:solidFill>
+              <a:latin typeface="Arial"/>
             </a:endParaRPr>
           </a:p>
         </p:txBody>
@@ -1468,8 +1515,8 @@
         </p:nvSpPr>
         <p:spPr>
           <a:xfrm>
-            <a:off x="360000" y="3915000"/>
-            <a:ext cx="9360000" cy="1485000"/>
+            <a:off x="360000" y="1485000"/>
+            <a:ext cx="9359640" cy="3779640"/>
           </a:xfrm>
           <a:prstGeom prst="rect">
             <a:avLst/>
@@ -1481,160 +1528,202 @@
         </p:spPr>
         <p:txBody>
           <a:bodyPr lIns="0" rIns="0" tIns="0" bIns="0" anchor="t">
-            <a:normAutofit fontScale="61352"/>
+            <a:normAutofit/>
           </a:bodyPr>
           <a:p>
-            <a:pPr marL="432000" indent="0">
-              <a:spcAft>
-                <a:spcPts val="655"/>
-              </a:spcAft>
-            </a:pPr>
-            <a:r>
-              <a:rPr b="0" lang="en-US" sz="1500" spc="-1" strike="noStrike">
-                <a:solidFill>
-                  <a:srgbClr val="ffffff"/>
-                </a:solidFill>
-                <a:latin typeface="Source Sans Pro"/>
+            <a:pPr marL="432000" indent="-324000">
+              <a:spcBef>
+                <a:spcPts val="1417"/>
+              </a:spcBef>
+              <a:buClr>
+                <a:srgbClr val="000000"/>
+              </a:buClr>
+              <a:buSzPct val="45000"/>
+              <a:buFont typeface="Wingdings" charset="2"/>
+              <a:buChar char=""/>
+            </a:pPr>
+            <a:r>
+              <a:rPr b="0" lang="en-US" sz="1800" spc="-1" strike="noStrike">
+                <a:solidFill>
+                  <a:srgbClr val="000000"/>
+                </a:solidFill>
+                <a:latin typeface="Arial"/>
               </a:rPr>
               <a:t>Click to edit the outline text format</a:t>
             </a:r>
-            <a:endParaRPr b="0" lang="en-US" sz="1500" spc="-1" strike="noStrike">
-              <a:solidFill>
-                <a:srgbClr val="ffffff"/>
-              </a:solidFill>
-              <a:latin typeface="Source Sans Pro"/>
-            </a:endParaRPr>
-          </a:p>
-          <a:p>
-            <a:pPr lvl="1" marL="864000" indent="0">
-              <a:spcAft>
+            <a:endParaRPr b="0" lang="en-US" sz="1800" spc="-1" strike="noStrike">
+              <a:solidFill>
+                <a:srgbClr val="000000"/>
+              </a:solidFill>
+              <a:latin typeface="Arial"/>
+            </a:endParaRPr>
+          </a:p>
+          <a:p>
+            <a:pPr lvl="1" marL="864000" indent="-324000">
+              <a:spcBef>
+                <a:spcPts val="1134"/>
+              </a:spcBef>
+              <a:buClr>
+                <a:srgbClr val="000000"/>
+              </a:buClr>
+              <a:buSzPct val="75000"/>
+              <a:buFont typeface="Symbol" charset="2"/>
+              <a:buChar char=""/>
+            </a:pPr>
+            <a:r>
+              <a:rPr b="0" lang="en-US" sz="1800" spc="-1" strike="noStrike">
+                <a:solidFill>
+                  <a:srgbClr val="000000"/>
+                </a:solidFill>
+                <a:latin typeface="Arial"/>
+              </a:rPr>
+              <a:t>Second Outline Level</a:t>
+            </a:r>
+            <a:endParaRPr b="0" lang="en-US" sz="1800" spc="-1" strike="noStrike">
+              <a:solidFill>
+                <a:srgbClr val="000000"/>
+              </a:solidFill>
+              <a:latin typeface="Arial"/>
+            </a:endParaRPr>
+          </a:p>
+          <a:p>
+            <a:pPr lvl="2" marL="1296000" indent="-288000">
+              <a:spcBef>
                 <a:spcPts val="850"/>
-              </a:spcAft>
-            </a:pPr>
-            <a:r>
-              <a:rPr b="0" lang="en-US" sz="1500" spc="-1" strike="noStrike">
-                <a:solidFill>
-                  <a:srgbClr val="ffffff"/>
-                </a:solidFill>
-                <a:latin typeface="Source Sans Pro"/>
-              </a:rPr>
-              <a:t>Second Outline Level</a:t>
-            </a:r>
-            <a:endParaRPr b="0" lang="en-US" sz="1500" spc="-1" strike="noStrike">
-              <a:solidFill>
-                <a:srgbClr val="ffffff"/>
-              </a:solidFill>
-              <a:latin typeface="Source Sans Pro"/>
-            </a:endParaRPr>
-          </a:p>
-          <a:p>
-            <a:pPr lvl="2" marL="1296000" indent="0">
-              <a:spcAft>
-                <a:spcPts val="635"/>
-              </a:spcAft>
-            </a:pPr>
-            <a:r>
-              <a:rPr b="0" lang="en-US" sz="1500" spc="-1" strike="noStrike">
-                <a:solidFill>
-                  <a:srgbClr val="ffffff"/>
-                </a:solidFill>
-                <a:latin typeface="Source Sans Pro"/>
+              </a:spcBef>
+              <a:buClr>
+                <a:srgbClr val="000000"/>
+              </a:buClr>
+              <a:buSzPct val="45000"/>
+              <a:buFont typeface="Wingdings" charset="2"/>
+              <a:buChar char=""/>
+            </a:pPr>
+            <a:r>
+              <a:rPr b="0" lang="en-US" sz="1800" spc="-1" strike="noStrike">
+                <a:solidFill>
+                  <a:srgbClr val="000000"/>
+                </a:solidFill>
+                <a:latin typeface="Arial"/>
               </a:rPr>
               <a:t>Third Outline Level</a:t>
             </a:r>
-            <a:endParaRPr b="0" lang="en-US" sz="1500" spc="-1" strike="noStrike">
-              <a:solidFill>
-                <a:srgbClr val="ffffff"/>
-              </a:solidFill>
-              <a:latin typeface="Source Sans Pro"/>
-            </a:endParaRPr>
-          </a:p>
-          <a:p>
-            <a:pPr lvl="3" marL="1728000" indent="0">
-              <a:spcAft>
-                <a:spcPts val="425"/>
-              </a:spcAft>
-            </a:pPr>
-            <a:r>
-              <a:rPr b="0" lang="en-US" sz="1500" spc="-1" strike="noStrike">
-                <a:solidFill>
-                  <a:srgbClr val="ffffff"/>
-                </a:solidFill>
-                <a:latin typeface="Source Sans Pro"/>
+            <a:endParaRPr b="0" lang="en-US" sz="1800" spc="-1" strike="noStrike">
+              <a:solidFill>
+                <a:srgbClr val="000000"/>
+              </a:solidFill>
+              <a:latin typeface="Arial"/>
+            </a:endParaRPr>
+          </a:p>
+          <a:p>
+            <a:pPr lvl="3" marL="1728000" indent="-216000">
+              <a:spcBef>
+                <a:spcPts val="567"/>
+              </a:spcBef>
+              <a:buClr>
+                <a:srgbClr val="000000"/>
+              </a:buClr>
+              <a:buSzPct val="75000"/>
+              <a:buFont typeface="Symbol" charset="2"/>
+              <a:buChar char=""/>
+            </a:pPr>
+            <a:r>
+              <a:rPr b="0" lang="en-US" sz="1800" spc="-1" strike="noStrike">
+                <a:solidFill>
+                  <a:srgbClr val="000000"/>
+                </a:solidFill>
+                <a:latin typeface="Arial"/>
               </a:rPr>
               <a:t>Fourth Outline Level</a:t>
             </a:r>
-            <a:endParaRPr b="0" lang="en-US" sz="1500" spc="-1" strike="noStrike">
-              <a:solidFill>
-                <a:srgbClr val="ffffff"/>
-              </a:solidFill>
-              <a:latin typeface="Source Sans Pro"/>
-            </a:endParaRPr>
-          </a:p>
-          <a:p>
-            <a:pPr lvl="4" marL="2160000" indent="0">
-              <a:spcAft>
-                <a:spcPts val="213"/>
-              </a:spcAft>
-            </a:pPr>
-            <a:r>
-              <a:rPr b="0" lang="en-US" sz="1500" spc="-1" strike="noStrike">
-                <a:solidFill>
-                  <a:srgbClr val="ffffff"/>
-                </a:solidFill>
-                <a:latin typeface="Source Sans Pro"/>
+            <a:endParaRPr b="0" lang="en-US" sz="1800" spc="-1" strike="noStrike">
+              <a:solidFill>
+                <a:srgbClr val="000000"/>
+              </a:solidFill>
+              <a:latin typeface="Arial"/>
+            </a:endParaRPr>
+          </a:p>
+          <a:p>
+            <a:pPr lvl="4" marL="2160000" indent="-216000">
+              <a:spcBef>
+                <a:spcPts val="283"/>
+              </a:spcBef>
+              <a:buClr>
+                <a:srgbClr val="000000"/>
+              </a:buClr>
+              <a:buSzPct val="45000"/>
+              <a:buFont typeface="Wingdings" charset="2"/>
+              <a:buChar char=""/>
+            </a:pPr>
+            <a:r>
+              <a:rPr b="0" lang="en-US" sz="1800" spc="-1" strike="noStrike">
+                <a:solidFill>
+                  <a:srgbClr val="000000"/>
+                </a:solidFill>
+                <a:latin typeface="Arial"/>
               </a:rPr>
               <a:t>Fifth Outline Level</a:t>
             </a:r>
-            <a:endParaRPr b="0" lang="en-US" sz="1500" spc="-1" strike="noStrike">
-              <a:solidFill>
-                <a:srgbClr val="ffffff"/>
-              </a:solidFill>
-              <a:latin typeface="Source Sans Pro"/>
-            </a:endParaRPr>
-          </a:p>
-          <a:p>
-            <a:pPr lvl="5" marL="2592000" indent="0">
-              <a:spcAft>
-                <a:spcPts val="213"/>
-              </a:spcAft>
-            </a:pPr>
-            <a:r>
-              <a:rPr b="0" lang="en-US" sz="1500" spc="-1" strike="noStrike">
-                <a:solidFill>
-                  <a:srgbClr val="ffffff"/>
-                </a:solidFill>
-                <a:latin typeface="Source Sans Pro"/>
+            <a:endParaRPr b="0" lang="en-US" sz="1800" spc="-1" strike="noStrike">
+              <a:solidFill>
+                <a:srgbClr val="000000"/>
+              </a:solidFill>
+              <a:latin typeface="Arial"/>
+            </a:endParaRPr>
+          </a:p>
+          <a:p>
+            <a:pPr lvl="5" marL="2592000" indent="-216000">
+              <a:spcBef>
+                <a:spcPts val="283"/>
+              </a:spcBef>
+              <a:buClr>
+                <a:srgbClr val="000000"/>
+              </a:buClr>
+              <a:buSzPct val="45000"/>
+              <a:buFont typeface="Wingdings" charset="2"/>
+              <a:buChar char=""/>
+            </a:pPr>
+            <a:r>
+              <a:rPr b="0" lang="en-US" sz="1800" spc="-1" strike="noStrike">
+                <a:solidFill>
+                  <a:srgbClr val="000000"/>
+                </a:solidFill>
+                <a:latin typeface="Arial"/>
               </a:rPr>
               <a:t>Sixth Outline Level</a:t>
             </a:r>
-            <a:endParaRPr b="0" lang="en-US" sz="1500" spc="-1" strike="noStrike">
-              <a:solidFill>
-                <a:srgbClr val="ffffff"/>
-              </a:solidFill>
-              <a:latin typeface="Source Sans Pro"/>
-            </a:endParaRPr>
-          </a:p>
-          <a:p>
-            <a:pPr lvl="6" marL="3024000" indent="0">
-              <a:spcAft>
-                <a:spcPts val="213"/>
-              </a:spcAft>
-            </a:pPr>
-            <a:r>
-              <a:rPr b="0" lang="en-US" sz="1500" spc="-1" strike="noStrike">
-                <a:solidFill>
-                  <a:srgbClr val="ffffff"/>
-                </a:solidFill>
-                <a:latin typeface="Source Sans Pro"/>
+            <a:endParaRPr b="0" lang="en-US" sz="1800" spc="-1" strike="noStrike">
+              <a:solidFill>
+                <a:srgbClr val="000000"/>
+              </a:solidFill>
+              <a:latin typeface="Arial"/>
+            </a:endParaRPr>
+          </a:p>
+          <a:p>
+            <a:pPr lvl="6" marL="3024000" indent="-216000">
+              <a:spcBef>
+                <a:spcPts val="283"/>
+              </a:spcBef>
+              <a:buClr>
+                <a:srgbClr val="000000"/>
+              </a:buClr>
+              <a:buSzPct val="45000"/>
+              <a:buFont typeface="Wingdings" charset="2"/>
+              <a:buChar char=""/>
+            </a:pPr>
+            <a:r>
+              <a:rPr b="0" lang="en-US" sz="1800" spc="-1" strike="noStrike">
+                <a:solidFill>
+                  <a:srgbClr val="000000"/>
+                </a:solidFill>
+                <a:latin typeface="Arial"/>
               </a:rPr>
               <a:t>Seventh Outline Level</a:t>
             </a:r>
-            <a:endParaRPr b="0" lang="en-US" sz="1500" spc="-1" strike="noStrike">
-              <a:solidFill>
-                <a:srgbClr val="ffffff"/>
-              </a:solidFill>
-              <a:latin typeface="Source Sans Pro"/>
+            <a:endParaRPr b="0" lang="en-US" sz="1800" spc="-1" strike="noStrike">
+              <a:solidFill>
+                <a:srgbClr val="000000"/>
+              </a:solidFill>
+              <a:latin typeface="Arial"/>
             </a:endParaRPr>
           </a:p>
         </p:txBody>
@@ -1646,13 +1735,13 @@
             <a:spLocks noGrp="1"/>
           </p:cNvSpPr>
           <p:nvPr>
-            <p:ph type="dt" idx="4"/>
+            <p:ph type="ftr" idx="4"/>
           </p:nvPr>
         </p:nvSpPr>
         <p:spPr>
           <a:xfrm>
-            <a:off x="360000" y="5400000"/>
-            <a:ext cx="2880000" cy="270000"/>
+            <a:off x="3420000" y="5400000"/>
+            <a:ext cx="3239640" cy="269640"/>
           </a:xfrm>
           <a:prstGeom prst="rect">
             <a:avLst/>
@@ -1667,8 +1756,14 @@
             <a:noAutofit/>
           </a:bodyPr>
           <a:lstStyle>
-            <a:lvl1pPr indent="0">
+            <a:lvl1pPr indent="0" algn="ctr">
+              <a:lnSpc>
+                <a:spcPct val="100000"/>
+              </a:lnSpc>
               <a:buNone/>
+              <a:tabLst>
+                <a:tab algn="l" pos="0"/>
+              </a:tabLst>
               <a:defRPr b="1" lang="en-US" sz="1800" spc="-1" strike="noStrike">
                 <a:solidFill>
                   <a:srgbClr val="ffffff"/>
@@ -1678,8 +1773,14 @@
             </a:lvl1pPr>
           </a:lstStyle>
           <a:p>
-            <a:pPr indent="0">
+            <a:pPr indent="0" algn="ctr">
+              <a:lnSpc>
+                <a:spcPct val="100000"/>
+              </a:lnSpc>
               <a:buNone/>
+              <a:tabLst>
+                <a:tab algn="l" pos="0"/>
+              </a:tabLst>
             </a:pPr>
             <a:r>
               <a:rPr b="1" lang="en-US" sz="1800" spc="-1" strike="noStrike">
@@ -1688,13 +1789,13 @@
                 </a:solidFill>
                 <a:latin typeface="Source Sans Pro Black"/>
               </a:rPr>
-              <a:t>&lt;date/time&gt;</a:t>
-            </a:r>
-            <a:endParaRPr b="1" lang="en-US" sz="1800" spc="-1" strike="noStrike">
-              <a:solidFill>
-                <a:srgbClr val="ffffff"/>
-              </a:solidFill>
-              <a:latin typeface="Source Sans Pro Black"/>
+              <a:t>&lt;footer&gt;</a:t>
+            </a:r>
+            <a:endParaRPr b="0" lang="en-US" sz="1800" spc="-1" strike="noStrike">
+              <a:solidFill>
+                <a:srgbClr val="000000"/>
+              </a:solidFill>
+              <a:latin typeface="Times New Roman"/>
             </a:endParaRPr>
           </a:p>
         </p:txBody>
@@ -1706,13 +1807,13 @@
             <a:spLocks noGrp="1"/>
           </p:cNvSpPr>
           <p:nvPr>
-            <p:ph type="ftr" idx="5"/>
+            <p:ph type="sldNum" idx="5"/>
           </p:nvPr>
         </p:nvSpPr>
         <p:spPr>
           <a:xfrm>
-            <a:off x="3420000" y="5400000"/>
-            <a:ext cx="3240000" cy="270000"/>
+            <a:off x="9180000" y="5130000"/>
+            <a:ext cx="719640" cy="539640"/>
           </a:xfrm>
           <a:prstGeom prst="rect">
             <a:avLst/>
@@ -1723,12 +1824,18 @@
           </a:ln>
         </p:spPr>
         <p:txBody>
-          <a:bodyPr lIns="0" rIns="0" tIns="0" bIns="0" anchor="t">
+          <a:bodyPr lIns="0" rIns="0" tIns="0" bIns="0" anchor="ctr">
             <a:noAutofit/>
           </a:bodyPr>
           <a:lstStyle>
             <a:lvl1pPr indent="0" algn="ctr">
+              <a:lnSpc>
+                <a:spcPct val="100000"/>
+              </a:lnSpc>
               <a:buNone/>
+              <a:tabLst>
+                <a:tab algn="l" pos="0"/>
+              </a:tabLst>
               <a:defRPr b="1" lang="en-US" sz="1800" spc="-1" strike="noStrike">
                 <a:solidFill>
                   <a:srgbClr val="ffffff"/>
@@ -1739,22 +1846,28 @@
           </a:lstStyle>
           <a:p>
             <a:pPr indent="0" algn="ctr">
+              <a:lnSpc>
+                <a:spcPct val="100000"/>
+              </a:lnSpc>
               <a:buNone/>
-            </a:pPr>
-            <a:r>
+              <a:tabLst>
+                <a:tab algn="l" pos="0"/>
+              </a:tabLst>
+            </a:pPr>
+            <a:fld id="{18154FAD-3A35-4EDD-ADC8-1B6DA204FAFB}" type="slidenum">
               <a:rPr b="1" lang="en-US" sz="1800" spc="-1" strike="noStrike">
                 <a:solidFill>
                   <a:srgbClr val="ffffff"/>
                 </a:solidFill>
                 <a:latin typeface="Source Sans Pro Black"/>
               </a:rPr>
-              <a:t>&lt;footer&gt;</a:t>
-            </a:r>
-            <a:endParaRPr b="1" lang="en-US" sz="1800" spc="-1" strike="noStrike">
-              <a:solidFill>
-                <a:srgbClr val="ffffff"/>
-              </a:solidFill>
-              <a:latin typeface="Source Sans Pro Black"/>
+              <a:t>&lt;number&gt;</a:t>
+            </a:fld>
+            <a:endParaRPr b="0" lang="en-US" sz="1800" spc="-1" strike="noStrike">
+              <a:solidFill>
+                <a:srgbClr val="000000"/>
+              </a:solidFill>
+              <a:latin typeface="Times New Roman"/>
             </a:endParaRPr>
           </a:p>
         </p:txBody>
@@ -1766,13 +1879,13 @@
             <a:spLocks noGrp="1"/>
           </p:cNvSpPr>
           <p:nvPr>
-            <p:ph type="sldNum" idx="6"/>
+            <p:ph type="dt" idx="6"/>
           </p:nvPr>
         </p:nvSpPr>
         <p:spPr>
           <a:xfrm>
-            <a:off x="9180000" y="5130000"/>
-            <a:ext cx="720000" cy="540000"/>
+            <a:off x="360000" y="5400000"/>
+            <a:ext cx="2879640" cy="269640"/>
           </a:xfrm>
           <a:prstGeom prst="rect">
             <a:avLst/>
@@ -1783,38 +1896,38 @@
           </a:ln>
         </p:spPr>
         <p:txBody>
-          <a:bodyPr lIns="0" rIns="0" tIns="0" bIns="0" anchor="ctr">
+          <a:bodyPr lIns="0" rIns="0" tIns="0" bIns="0" anchor="t">
             <a:noAutofit/>
           </a:bodyPr>
           <a:lstStyle>
-            <a:lvl1pPr indent="0" algn="ctr">
+            <a:lvl1pPr indent="0">
               <a:buNone/>
-              <a:defRPr b="1" lang="en-US" sz="1800" spc="-1" strike="noStrike">
-                <a:solidFill>
-                  <a:srgbClr val="ffffff"/>
-                </a:solidFill>
-                <a:latin typeface="Source Sans Pro Black"/>
+              <a:defRPr b="0" lang="en-US" sz="1400" spc="-1" strike="noStrike">
+                <a:solidFill>
+                  <a:srgbClr val="000000"/>
+                </a:solidFill>
+                <a:latin typeface="Times New Roman"/>
               </a:defRPr>
             </a:lvl1pPr>
           </a:lstStyle>
           <a:p>
-            <a:pPr indent="0" algn="ctr">
+            <a:pPr indent="0">
               <a:buNone/>
             </a:pPr>
-            <a:fld id="{0FF49DA2-EEA0-4833-AD96-AAF6BCDC31A4}" type="slidenum">
-              <a:rPr b="1" lang="en-US" sz="1800" spc="-1" strike="noStrike">
-                <a:solidFill>
-                  <a:srgbClr val="ffffff"/>
-                </a:solidFill>
-                <a:latin typeface="Source Sans Pro Black"/>
-              </a:rPr>
-              <a:t>&lt;number&gt;</a:t>
-            </a:fld>
-            <a:endParaRPr b="1" lang="en-US" sz="1800" spc="-1" strike="noStrike">
-              <a:solidFill>
-                <a:srgbClr val="ffffff"/>
-              </a:solidFill>
-              <a:latin typeface="Source Sans Pro Black"/>
+            <a:r>
+              <a:rPr b="0" lang="en-US" sz="1400" spc="-1" strike="noStrike">
+                <a:solidFill>
+                  <a:srgbClr val="000000"/>
+                </a:solidFill>
+                <a:latin typeface="Times New Roman"/>
+              </a:rPr>
+              <a:t>&lt;date/time&gt;</a:t>
+            </a:r>
+            <a:endParaRPr b="0" lang="en-US" sz="1400" spc="-1" strike="noStrike">
+              <a:solidFill>
+                <a:srgbClr val="000000"/>
+              </a:solidFill>
+              <a:latin typeface="Times New Roman"/>
             </a:endParaRPr>
           </a:p>
         </p:txBody>
@@ -1824,7 +1937,6 @@
   <p:clrMap bg1="lt1" bg2="lt2" tx1="dk1" tx2="dk2" accent1="accent1" accent2="accent2" accent3="accent3" accent4="accent4" accent5="accent5" accent6="accent6" hlink="hlink" folHlink="folHlink"/>
   <p:sldLayoutIdLst>
     <p:sldLayoutId id="2147483651" r:id="rId2"/>
-    <p:sldLayoutId id="2147483652" r:id="rId3"/>
   </p:sldLayoutIdLst>
 </p:sldMaster>
 </file>
@@ -1848,14 +1960,14 @@
       </p:grpSpPr>
       <p:sp>
         <p:nvSpPr>
-          <p:cNvPr id="21" name=""/>
+          <p:cNvPr id="19" name=""/>
           <p:cNvSpPr/>
           <p:nvPr/>
         </p:nvSpPr>
         <p:spPr>
           <a:xfrm>
             <a:off x="0" y="0"/>
-            <a:ext cx="10080000" cy="5670000"/>
+            <a:ext cx="10079640" cy="5669640"/>
           </a:xfrm>
           <a:prstGeom prst="rect">
             <a:avLst/>
@@ -1878,26 +1990,632 @@
             <a:noAutofit/>
           </a:bodyPr>
           <a:p>
-            <a:pPr algn="ctr"/>
+            <a:pPr algn="ctr">
+              <a:lnSpc>
+                <a:spcPct val="100000"/>
+              </a:lnSpc>
+            </a:pPr>
             <a:endParaRPr b="0" lang="en-US" sz="1800" spc="-1" strike="noStrike">
               <a:solidFill>
                 <a:srgbClr val="2c3e50"/>
               </a:solidFill>
               <a:latin typeface="Source Sans Pro"/>
-            </a:endParaRPr>
-          </a:p>
-        </p:txBody>
-      </p:sp>
-      <p:sp>
-        <p:nvSpPr>
-          <p:cNvPr id="22" name=""/>
+              <a:ea typeface="DejaVu Sans"/>
+            </a:endParaRPr>
+          </a:p>
+        </p:txBody>
+      </p:sp>
+      <p:sp>
+        <p:nvSpPr>
+          <p:cNvPr id="20" name=""/>
+          <p:cNvSpPr/>
+          <p:nvPr/>
+        </p:nvSpPr>
+        <p:spPr>
+          <a:xfrm>
+            <a:off x="0" y="0"/>
+            <a:ext cx="10079640" cy="3779640"/>
+          </a:xfrm>
+          <a:prstGeom prst="rect">
+            <a:avLst/>
+          </a:prstGeom>
+          <a:solidFill>
+            <a:srgbClr val="1abc9c"/>
+          </a:solidFill>
+          <a:ln w="10800">
+            <a:solidFill>
+              <a:srgbClr val="1abc9c"/>
+            </a:solidFill>
+            <a:round/>
+          </a:ln>
+        </p:spPr>
+        <p:style>
+          <a:lnRef idx="0"/>
+          <a:fillRef idx="0"/>
+          <a:effectRef idx="0"/>
+          <a:fontRef idx="minor"/>
+        </p:style>
+        <p:txBody>
+          <a:bodyPr wrap="none" lIns="90000" rIns="90000" tIns="45000" bIns="45000" anchor="ctr">
+            <a:noAutofit/>
+          </a:bodyPr>
+          <a:p>
+            <a:pPr algn="ctr">
+              <a:lnSpc>
+                <a:spcPct val="100000"/>
+              </a:lnSpc>
+            </a:pPr>
+            <a:endParaRPr b="0" lang="en-US" sz="1800" spc="-1" strike="noStrike">
+              <a:solidFill>
+                <a:srgbClr val="2c3e50"/>
+              </a:solidFill>
+              <a:latin typeface="Source Sans Pro"/>
+              <a:ea typeface="DejaVu Sans"/>
+            </a:endParaRPr>
+          </a:p>
+        </p:txBody>
+      </p:sp>
+      <p:sp>
+        <p:nvSpPr>
+          <p:cNvPr id="21" name="PlaceHolder 1"/>
+          <p:cNvSpPr>
+            <a:spLocks noGrp="1"/>
+          </p:cNvSpPr>
+          <p:nvPr>
+            <p:ph type="title"/>
+          </p:nvPr>
+        </p:nvSpPr>
+        <p:spPr>
+          <a:xfrm>
+            <a:off x="360000" y="225720"/>
+            <a:ext cx="9359640" cy="718560"/>
+          </a:xfrm>
+          <a:prstGeom prst="rect">
+            <a:avLst/>
+          </a:prstGeom>
+          <a:noFill/>
+          <a:ln w="0">
+            <a:noFill/>
+          </a:ln>
+        </p:spPr>
+        <p:txBody>
+          <a:bodyPr lIns="0" rIns="0" tIns="0" bIns="0" anchor="ctr">
+            <a:noAutofit/>
+          </a:bodyPr>
+          <a:p>
+            <a:pPr indent="0">
+              <a:buNone/>
+            </a:pPr>
+            <a:r>
+              <a:rPr b="0" lang="en-US" sz="1800" spc="-1" strike="noStrike">
+                <a:solidFill>
+                  <a:srgbClr val="000000"/>
+                </a:solidFill>
+                <a:latin typeface="Arial"/>
+              </a:rPr>
+              <a:t>Click to edit the title text format</a:t>
+            </a:r>
+            <a:endParaRPr b="0" lang="en-US" sz="1800" spc="-1" strike="noStrike">
+              <a:solidFill>
+                <a:srgbClr val="000000"/>
+              </a:solidFill>
+              <a:latin typeface="Arial"/>
+            </a:endParaRPr>
+          </a:p>
+        </p:txBody>
+      </p:sp>
+      <p:sp>
+        <p:nvSpPr>
+          <p:cNvPr id="22" name="PlaceHolder 2"/>
+          <p:cNvSpPr>
+            <a:spLocks noGrp="1"/>
+          </p:cNvSpPr>
+          <p:nvPr>
+            <p:ph type="ftr" idx="7"/>
+          </p:nvPr>
+        </p:nvSpPr>
+        <p:spPr>
+          <a:xfrm>
+            <a:off x="3420000" y="5400000"/>
+            <a:ext cx="3239640" cy="269640"/>
+          </a:xfrm>
+          <a:prstGeom prst="rect">
+            <a:avLst/>
+          </a:prstGeom>
+          <a:noFill/>
+          <a:ln w="72000">
+            <a:noFill/>
+          </a:ln>
+        </p:spPr>
+        <p:txBody>
+          <a:bodyPr lIns="0" rIns="0" tIns="0" bIns="0" anchor="t">
+            <a:noAutofit/>
+          </a:bodyPr>
+          <a:lstStyle>
+            <a:lvl1pPr indent="0" algn="ctr">
+              <a:lnSpc>
+                <a:spcPct val="100000"/>
+              </a:lnSpc>
+              <a:buNone/>
+              <a:tabLst>
+                <a:tab algn="l" pos="0"/>
+              </a:tabLst>
+              <a:defRPr b="1" lang="en-US" sz="1800" spc="-1" strike="noStrike">
+                <a:solidFill>
+                  <a:srgbClr val="ffffff"/>
+                </a:solidFill>
+                <a:latin typeface="Source Sans Pro Black"/>
+              </a:defRPr>
+            </a:lvl1pPr>
+          </a:lstStyle>
+          <a:p>
+            <a:pPr indent="0" algn="ctr">
+              <a:lnSpc>
+                <a:spcPct val="100000"/>
+              </a:lnSpc>
+              <a:buNone/>
+              <a:tabLst>
+                <a:tab algn="l" pos="0"/>
+              </a:tabLst>
+            </a:pPr>
+            <a:r>
+              <a:rPr b="1" lang="en-US" sz="1800" spc="-1" strike="noStrike">
+                <a:solidFill>
+                  <a:srgbClr val="ffffff"/>
+                </a:solidFill>
+                <a:latin typeface="Source Sans Pro Black"/>
+              </a:rPr>
+              <a:t>&lt;footer&gt;</a:t>
+            </a:r>
+            <a:endParaRPr b="0" lang="en-US" sz="1800" spc="-1" strike="noStrike">
+              <a:solidFill>
+                <a:srgbClr val="000000"/>
+              </a:solidFill>
+              <a:latin typeface="Times New Roman"/>
+            </a:endParaRPr>
+          </a:p>
+        </p:txBody>
+      </p:sp>
+      <p:sp>
+        <p:nvSpPr>
+          <p:cNvPr id="23" name="PlaceHolder 3"/>
+          <p:cNvSpPr>
+            <a:spLocks noGrp="1"/>
+          </p:cNvSpPr>
+          <p:nvPr>
+            <p:ph type="sldNum" idx="8"/>
+          </p:nvPr>
+        </p:nvSpPr>
+        <p:spPr>
+          <a:xfrm>
+            <a:off x="9180000" y="5130000"/>
+            <a:ext cx="719640" cy="539640"/>
+          </a:xfrm>
+          <a:prstGeom prst="rect">
+            <a:avLst/>
+          </a:prstGeom>
+          <a:noFill/>
+          <a:ln w="72000">
+            <a:noFill/>
+          </a:ln>
+        </p:spPr>
+        <p:txBody>
+          <a:bodyPr lIns="0" rIns="0" tIns="0" bIns="0" anchor="ctr">
+            <a:noAutofit/>
+          </a:bodyPr>
+          <a:lstStyle>
+            <a:lvl1pPr indent="0" algn="ctr">
+              <a:lnSpc>
+                <a:spcPct val="100000"/>
+              </a:lnSpc>
+              <a:buNone/>
+              <a:tabLst>
+                <a:tab algn="l" pos="0"/>
+              </a:tabLst>
+              <a:defRPr b="1" lang="en-US" sz="1800" spc="-1" strike="noStrike">
+                <a:solidFill>
+                  <a:srgbClr val="ffffff"/>
+                </a:solidFill>
+                <a:latin typeface="Source Sans Pro Black"/>
+              </a:defRPr>
+            </a:lvl1pPr>
+          </a:lstStyle>
+          <a:p>
+            <a:pPr indent="0" algn="ctr">
+              <a:lnSpc>
+                <a:spcPct val="100000"/>
+              </a:lnSpc>
+              <a:buNone/>
+              <a:tabLst>
+                <a:tab algn="l" pos="0"/>
+              </a:tabLst>
+            </a:pPr>
+            <a:fld id="{149A13B0-B330-4D1F-9D09-66D189CF200C}" type="slidenum">
+              <a:rPr b="1" lang="en-US" sz="1800" spc="-1" strike="noStrike">
+                <a:solidFill>
+                  <a:srgbClr val="ffffff"/>
+                </a:solidFill>
+                <a:latin typeface="Source Sans Pro Black"/>
+              </a:rPr>
+              <a:t>&lt;number&gt;</a:t>
+            </a:fld>
+            <a:endParaRPr b="0" lang="en-US" sz="1800" spc="-1" strike="noStrike">
+              <a:solidFill>
+                <a:srgbClr val="000000"/>
+              </a:solidFill>
+              <a:latin typeface="Times New Roman"/>
+            </a:endParaRPr>
+          </a:p>
+        </p:txBody>
+      </p:sp>
+      <p:sp>
+        <p:nvSpPr>
+          <p:cNvPr id="24" name="PlaceHolder 4"/>
+          <p:cNvSpPr>
+            <a:spLocks noGrp="1"/>
+          </p:cNvSpPr>
+          <p:nvPr>
+            <p:ph type="dt" idx="9"/>
+          </p:nvPr>
+        </p:nvSpPr>
+        <p:spPr>
+          <a:xfrm>
+            <a:off x="360000" y="5400000"/>
+            <a:ext cx="2879640" cy="269640"/>
+          </a:xfrm>
+          <a:prstGeom prst="rect">
+            <a:avLst/>
+          </a:prstGeom>
+          <a:noFill/>
+          <a:ln w="72000">
+            <a:noFill/>
+          </a:ln>
+        </p:spPr>
+        <p:txBody>
+          <a:bodyPr lIns="0" rIns="0" tIns="0" bIns="0" anchor="t">
+            <a:noAutofit/>
+          </a:bodyPr>
+          <a:lstStyle>
+            <a:lvl1pPr indent="0">
+              <a:buNone/>
+              <a:defRPr b="0" lang="en-US" sz="1400" spc="-1" strike="noStrike">
+                <a:solidFill>
+                  <a:srgbClr val="000000"/>
+                </a:solidFill>
+                <a:latin typeface="Times New Roman"/>
+              </a:defRPr>
+            </a:lvl1pPr>
+          </a:lstStyle>
+          <a:p>
+            <a:pPr indent="0">
+              <a:buNone/>
+            </a:pPr>
+            <a:r>
+              <a:rPr b="0" lang="en-US" sz="1400" spc="-1" strike="noStrike">
+                <a:solidFill>
+                  <a:srgbClr val="000000"/>
+                </a:solidFill>
+                <a:latin typeface="Times New Roman"/>
+              </a:rPr>
+              <a:t>&lt;date/time&gt;</a:t>
+            </a:r>
+            <a:endParaRPr b="0" lang="en-US" sz="1400" spc="-1" strike="noStrike">
+              <a:solidFill>
+                <a:srgbClr val="000000"/>
+              </a:solidFill>
+              <a:latin typeface="Times New Roman"/>
+            </a:endParaRPr>
+          </a:p>
+        </p:txBody>
+      </p:sp>
+      <p:sp>
+        <p:nvSpPr>
+          <p:cNvPr id="25" name="PlaceHolder 5"/>
+          <p:cNvSpPr>
+            <a:spLocks noGrp="1"/>
+          </p:cNvSpPr>
+          <p:nvPr>
+            <p:ph type="body"/>
+          </p:nvPr>
+        </p:nvSpPr>
+        <p:spPr>
+          <a:xfrm>
+            <a:off x="504000" y="1326600"/>
+            <a:ext cx="9072000" cy="3288600"/>
+          </a:xfrm>
+          <a:prstGeom prst="rect">
+            <a:avLst/>
+          </a:prstGeom>
+          <a:noFill/>
+          <a:ln w="0">
+            <a:noFill/>
+          </a:ln>
+        </p:spPr>
+        <p:txBody>
+          <a:bodyPr lIns="0" rIns="0" tIns="0" bIns="0" anchor="t">
+            <a:normAutofit/>
+          </a:bodyPr>
+          <a:p>
+            <a:pPr marL="432000" indent="-324000">
+              <a:spcBef>
+                <a:spcPts val="1417"/>
+              </a:spcBef>
+              <a:buClr>
+                <a:srgbClr val="000000"/>
+              </a:buClr>
+              <a:buSzPct val="45000"/>
+              <a:buFont typeface="Wingdings" charset="2"/>
+              <a:buChar char=""/>
+            </a:pPr>
+            <a:r>
+              <a:rPr b="0" lang="en-US" sz="3200" spc="-1" strike="noStrike">
+                <a:solidFill>
+                  <a:srgbClr val="000000"/>
+                </a:solidFill>
+                <a:latin typeface="Arial"/>
+              </a:rPr>
+              <a:t>Click to edit the outline text format</a:t>
+            </a:r>
+            <a:endParaRPr b="0" lang="en-US" sz="3200" spc="-1" strike="noStrike">
+              <a:solidFill>
+                <a:srgbClr val="000000"/>
+              </a:solidFill>
+              <a:latin typeface="Arial"/>
+            </a:endParaRPr>
+          </a:p>
+          <a:p>
+            <a:pPr lvl="1" marL="864000" indent="-324000">
+              <a:spcBef>
+                <a:spcPts val="1134"/>
+              </a:spcBef>
+              <a:buClr>
+                <a:srgbClr val="000000"/>
+              </a:buClr>
+              <a:buSzPct val="75000"/>
+              <a:buFont typeface="Symbol" charset="2"/>
+              <a:buChar char=""/>
+            </a:pPr>
+            <a:r>
+              <a:rPr b="0" lang="en-US" sz="2800" spc="-1" strike="noStrike">
+                <a:solidFill>
+                  <a:srgbClr val="000000"/>
+                </a:solidFill>
+                <a:latin typeface="Arial"/>
+              </a:rPr>
+              <a:t>Second Outline Level</a:t>
+            </a:r>
+            <a:endParaRPr b="0" lang="en-US" sz="2800" spc="-1" strike="noStrike">
+              <a:solidFill>
+                <a:srgbClr val="000000"/>
+              </a:solidFill>
+              <a:latin typeface="Arial"/>
+            </a:endParaRPr>
+          </a:p>
+          <a:p>
+            <a:pPr lvl="2" marL="1296000" indent="-288000">
+              <a:spcBef>
+                <a:spcPts val="850"/>
+              </a:spcBef>
+              <a:buClr>
+                <a:srgbClr val="000000"/>
+              </a:buClr>
+              <a:buSzPct val="45000"/>
+              <a:buFont typeface="Wingdings" charset="2"/>
+              <a:buChar char=""/>
+            </a:pPr>
+            <a:r>
+              <a:rPr b="0" lang="en-US" sz="2400" spc="-1" strike="noStrike">
+                <a:solidFill>
+                  <a:srgbClr val="000000"/>
+                </a:solidFill>
+                <a:latin typeface="Arial"/>
+              </a:rPr>
+              <a:t>Third Outline Level</a:t>
+            </a:r>
+            <a:endParaRPr b="0" lang="en-US" sz="2400" spc="-1" strike="noStrike">
+              <a:solidFill>
+                <a:srgbClr val="000000"/>
+              </a:solidFill>
+              <a:latin typeface="Arial"/>
+            </a:endParaRPr>
+          </a:p>
+          <a:p>
+            <a:pPr lvl="3" marL="1728000" indent="-216000">
+              <a:spcBef>
+                <a:spcPts val="567"/>
+              </a:spcBef>
+              <a:buClr>
+                <a:srgbClr val="000000"/>
+              </a:buClr>
+              <a:buSzPct val="75000"/>
+              <a:buFont typeface="Symbol" charset="2"/>
+              <a:buChar char=""/>
+            </a:pPr>
+            <a:r>
+              <a:rPr b="0" lang="en-US" sz="2000" spc="-1" strike="noStrike">
+                <a:solidFill>
+                  <a:srgbClr val="000000"/>
+                </a:solidFill>
+                <a:latin typeface="Arial"/>
+              </a:rPr>
+              <a:t>Fourth Outline Level</a:t>
+            </a:r>
+            <a:endParaRPr b="0" lang="en-US" sz="2000" spc="-1" strike="noStrike">
+              <a:solidFill>
+                <a:srgbClr val="000000"/>
+              </a:solidFill>
+              <a:latin typeface="Arial"/>
+            </a:endParaRPr>
+          </a:p>
+          <a:p>
+            <a:pPr lvl="4" marL="2160000" indent="-216000">
+              <a:spcBef>
+                <a:spcPts val="283"/>
+              </a:spcBef>
+              <a:buClr>
+                <a:srgbClr val="000000"/>
+              </a:buClr>
+              <a:buSzPct val="45000"/>
+              <a:buFont typeface="Wingdings" charset="2"/>
+              <a:buChar char=""/>
+            </a:pPr>
+            <a:r>
+              <a:rPr b="0" lang="en-US" sz="2000" spc="-1" strike="noStrike">
+                <a:solidFill>
+                  <a:srgbClr val="000000"/>
+                </a:solidFill>
+                <a:latin typeface="Arial"/>
+              </a:rPr>
+              <a:t>Fifth Outline Level</a:t>
+            </a:r>
+            <a:endParaRPr b="0" lang="en-US" sz="2000" spc="-1" strike="noStrike">
+              <a:solidFill>
+                <a:srgbClr val="000000"/>
+              </a:solidFill>
+              <a:latin typeface="Arial"/>
+            </a:endParaRPr>
+          </a:p>
+          <a:p>
+            <a:pPr lvl="5" marL="2592000" indent="-216000">
+              <a:spcBef>
+                <a:spcPts val="283"/>
+              </a:spcBef>
+              <a:buClr>
+                <a:srgbClr val="000000"/>
+              </a:buClr>
+              <a:buSzPct val="45000"/>
+              <a:buFont typeface="Wingdings" charset="2"/>
+              <a:buChar char=""/>
+            </a:pPr>
+            <a:r>
+              <a:rPr b="0" lang="en-US" sz="2000" spc="-1" strike="noStrike">
+                <a:solidFill>
+                  <a:srgbClr val="000000"/>
+                </a:solidFill>
+                <a:latin typeface="Arial"/>
+              </a:rPr>
+              <a:t>Sixth Outline Level</a:t>
+            </a:r>
+            <a:endParaRPr b="0" lang="en-US" sz="2000" spc="-1" strike="noStrike">
+              <a:solidFill>
+                <a:srgbClr val="000000"/>
+              </a:solidFill>
+              <a:latin typeface="Arial"/>
+            </a:endParaRPr>
+          </a:p>
+          <a:p>
+            <a:pPr lvl="6" marL="3024000" indent="-216000">
+              <a:spcBef>
+                <a:spcPts val="283"/>
+              </a:spcBef>
+              <a:buClr>
+                <a:srgbClr val="000000"/>
+              </a:buClr>
+              <a:buSzPct val="45000"/>
+              <a:buFont typeface="Wingdings" charset="2"/>
+              <a:buChar char=""/>
+            </a:pPr>
+            <a:r>
+              <a:rPr b="0" lang="en-US" sz="2000" spc="-1" strike="noStrike">
+                <a:solidFill>
+                  <a:srgbClr val="000000"/>
+                </a:solidFill>
+                <a:latin typeface="Arial"/>
+              </a:rPr>
+              <a:t>Seventh Outline Level</a:t>
+            </a:r>
+            <a:endParaRPr b="0" lang="en-US" sz="2000" spc="-1" strike="noStrike">
+              <a:solidFill>
+                <a:srgbClr val="000000"/>
+              </a:solidFill>
+              <a:latin typeface="Arial"/>
+            </a:endParaRPr>
+          </a:p>
+        </p:txBody>
+      </p:sp>
+    </p:spTree>
+  </p:cSld>
+  <p:clrMap bg1="lt1" bg2="lt2" tx1="dk1" tx2="dk2" accent1="accent1" accent2="accent2" accent3="accent3" accent4="accent4" accent5="accent5" accent6="accent6" hlink="hlink" folHlink="folHlink"/>
+  <p:sldLayoutIdLst>
+    <p:sldLayoutId id="2147483653" r:id="rId2"/>
+  </p:sldLayoutIdLst>
+</p:sldMaster>
+</file>
+
+<file path=ppt/slideMasters/slideMaster4.xml><?xml version="1.0" encoding="utf-8"?>
+<p:sldMaster xmlns:a="http://schemas.openxmlformats.org/drawingml/2006/main" xmlns:p="http://schemas.openxmlformats.org/presentationml/2006/main" xmlns:r="http://schemas.openxmlformats.org/officeDocument/2006/relationships" xmlns:p14="http://schemas.microsoft.com/office/powerpoint/2010/main" xmlns:p15="http://schemas.microsoft.com/office/powerpoint/2012/main" xmlns:mc="http://schemas.openxmlformats.org/markup-compatibility/2006">
+  <p:cSld>
+    <p:spTree>
+      <p:nvGrpSpPr>
+        <p:cNvPr id="1" name=""/>
+        <p:cNvGrpSpPr/>
+        <p:nvPr/>
+      </p:nvGrpSpPr>
+      <p:grpSpPr>
+        <a:xfrm>
+          <a:off x="0" y="0"/>
+          <a:ext cx="0" cy="0"/>
+          <a:chOff x="0" y="0"/>
+          <a:chExt cx="0" cy="0"/>
+        </a:xfrm>
+      </p:grpSpPr>
+      <p:sp>
+        <p:nvSpPr>
+          <p:cNvPr id="28" name=""/>
+          <p:cNvSpPr/>
+          <p:nvPr/>
+        </p:nvSpPr>
+        <p:spPr>
+          <a:xfrm>
+            <a:off x="0" y="0"/>
+            <a:ext cx="10079640" cy="5669640"/>
+          </a:xfrm>
+          <a:prstGeom prst="rect">
+            <a:avLst/>
+          </a:prstGeom>
+          <a:solidFill>
+            <a:srgbClr val="2c3e50"/>
+          </a:solidFill>
+          <a:ln w="10800">
+            <a:noFill/>
+          </a:ln>
+        </p:spPr>
+        <p:style>
+          <a:lnRef idx="0"/>
+          <a:fillRef idx="0"/>
+          <a:effectRef idx="0"/>
+          <a:fontRef idx="minor"/>
+        </p:style>
+        <p:txBody>
+          <a:bodyPr wrap="none" lIns="90000" rIns="90000" tIns="45000" bIns="45000" anchor="ctr">
+            <a:noAutofit/>
+          </a:bodyPr>
+          <a:p>
+            <a:pPr algn="ctr">
+              <a:lnSpc>
+                <a:spcPct val="100000"/>
+              </a:lnSpc>
+            </a:pPr>
+            <a:endParaRPr b="0" lang="en-US" sz="1800" spc="-1" strike="noStrike">
+              <a:solidFill>
+                <a:srgbClr val="2c3e50"/>
+              </a:solidFill>
+              <a:latin typeface="Source Sans Pro"/>
+              <a:ea typeface="DejaVu Sans"/>
+            </a:endParaRPr>
+          </a:p>
+        </p:txBody>
+      </p:sp>
+      <p:sp>
+        <p:nvSpPr>
+          <p:cNvPr id="29" name=""/>
           <p:cNvSpPr/>
           <p:nvPr/>
         </p:nvSpPr>
         <p:spPr>
           <a:xfrm>
             <a:off x="2520000" y="1350000"/>
-            <a:ext cx="5040000" cy="1890000"/>
+            <a:ext cx="5039640" cy="1889640"/>
           </a:xfrm>
           <a:prstGeom prst="wedgeRectCallout">
             <a:avLst>
@@ -1926,19 +2644,24 @@
             <a:noAutofit/>
           </a:bodyPr>
           <a:p>
-            <a:pPr algn="ctr"/>
+            <a:pPr algn="ctr">
+              <a:lnSpc>
+                <a:spcPct val="100000"/>
+              </a:lnSpc>
+            </a:pPr>
             <a:endParaRPr b="0" lang="en-US" sz="1800" spc="-1" strike="noStrike">
               <a:solidFill>
                 <a:srgbClr val="2c3e50"/>
               </a:solidFill>
               <a:latin typeface="Source Sans Pro"/>
-            </a:endParaRPr>
-          </a:p>
-        </p:txBody>
-      </p:sp>
-      <p:sp>
-        <p:nvSpPr>
-          <p:cNvPr id="23" name="PlaceHolder 1"/>
+              <a:ea typeface="DejaVu Sans"/>
+            </a:endParaRPr>
+          </a:p>
+        </p:txBody>
+      </p:sp>
+      <p:sp>
+        <p:nvSpPr>
+          <p:cNvPr id="30" name="PlaceHolder 1"/>
           <p:cNvSpPr>
             <a:spLocks noGrp="1"/>
           </p:cNvSpPr>
@@ -1948,8 +2671,8 @@
         </p:nvSpPr>
         <p:spPr>
           <a:xfrm>
-            <a:off x="2700000" y="1485000"/>
-            <a:ext cx="4680000" cy="1620000"/>
+            <a:off x="360000" y="225720"/>
+            <a:ext cx="9359640" cy="718560"/>
           </a:xfrm>
           <a:prstGeom prst="rect">
             <a:avLst/>
@@ -1960,34 +2683,34 @@
           </a:ln>
         </p:spPr>
         <p:txBody>
-          <a:bodyPr lIns="0" rIns="0" tIns="0" bIns="0" anchor="ctr" anchorCtr="1">
+          <a:bodyPr lIns="0" rIns="0" tIns="0" bIns="0" anchor="ctr">
             <a:noAutofit/>
           </a:bodyPr>
           <a:p>
-            <a:pPr indent="0" algn="ctr">
+            <a:pPr indent="0">
               <a:buNone/>
             </a:pPr>
             <a:r>
-              <a:rPr b="1" lang="en-US" sz="2700" spc="-1" strike="noStrike">
-                <a:solidFill>
-                  <a:srgbClr val="2c3e50"/>
-                </a:solidFill>
-                <a:latin typeface="Source Sans Pro Black"/>
+              <a:rPr b="0" lang="en-US" sz="1800" spc="-1" strike="noStrike">
+                <a:solidFill>
+                  <a:srgbClr val="000000"/>
+                </a:solidFill>
+                <a:latin typeface="Arial"/>
               </a:rPr>
               <a:t>Click to edit the title text format</a:t>
             </a:r>
-            <a:endParaRPr b="1" lang="en-US" sz="2700" spc="-1" strike="noStrike">
-              <a:solidFill>
-                <a:srgbClr val="2c3e50"/>
-              </a:solidFill>
-              <a:latin typeface="Source Sans Pro Black"/>
-            </a:endParaRPr>
-          </a:p>
-        </p:txBody>
-      </p:sp>
-      <p:sp>
-        <p:nvSpPr>
-          <p:cNvPr id="24" name="PlaceHolder 2"/>
+            <a:endParaRPr b="0" lang="en-US" sz="1800" spc="-1" strike="noStrike">
+              <a:solidFill>
+                <a:srgbClr val="000000"/>
+              </a:solidFill>
+              <a:latin typeface="Arial"/>
+            </a:endParaRPr>
+          </a:p>
+        </p:txBody>
+      </p:sp>
+      <p:sp>
+        <p:nvSpPr>
+          <p:cNvPr id="31" name="PlaceHolder 2"/>
           <p:cNvSpPr>
             <a:spLocks noGrp="1"/>
           </p:cNvSpPr>
@@ -1997,8 +2720,8 @@
         </p:nvSpPr>
         <p:spPr>
           <a:xfrm>
-            <a:off x="3420000" y="3240000"/>
-            <a:ext cx="6300000" cy="1620000"/>
+            <a:off x="360000" y="1485000"/>
+            <a:ext cx="9359640" cy="3779640"/>
           </a:xfrm>
           <a:prstGeom prst="rect">
             <a:avLst/>
@@ -2010,178 +2733,220 @@
         </p:spPr>
         <p:txBody>
           <a:bodyPr lIns="0" rIns="0" tIns="0" bIns="0" anchor="t">
-            <a:normAutofit fontScale="67354"/>
+            <a:normAutofit/>
           </a:bodyPr>
           <a:p>
-            <a:pPr marL="432000" indent="0">
-              <a:spcAft>
-                <a:spcPts val="655"/>
-              </a:spcAft>
-            </a:pPr>
-            <a:r>
-              <a:rPr b="0" lang="en-US" sz="1500" spc="-1" strike="noStrike">
-                <a:solidFill>
-                  <a:srgbClr val="ffffff"/>
-                </a:solidFill>
-                <a:latin typeface="Source Sans Pro"/>
+            <a:pPr marL="432000" indent="-324000">
+              <a:spcBef>
+                <a:spcPts val="1417"/>
+              </a:spcBef>
+              <a:buClr>
+                <a:srgbClr val="000000"/>
+              </a:buClr>
+              <a:buSzPct val="45000"/>
+              <a:buFont typeface="Wingdings" charset="2"/>
+              <a:buChar char=""/>
+            </a:pPr>
+            <a:r>
+              <a:rPr b="0" lang="en-US" sz="1800" spc="-1" strike="noStrike">
+                <a:solidFill>
+                  <a:srgbClr val="000000"/>
+                </a:solidFill>
+                <a:latin typeface="Arial"/>
               </a:rPr>
               <a:t>Click to edit the outline text format</a:t>
             </a:r>
-            <a:endParaRPr b="0" lang="en-US" sz="1500" spc="-1" strike="noStrike">
-              <a:solidFill>
-                <a:srgbClr val="ffffff"/>
-              </a:solidFill>
-              <a:latin typeface="Source Sans Pro"/>
-            </a:endParaRPr>
-          </a:p>
-          <a:p>
-            <a:pPr lvl="1" marL="864000" indent="0">
-              <a:spcAft>
+            <a:endParaRPr b="0" lang="en-US" sz="1800" spc="-1" strike="noStrike">
+              <a:solidFill>
+                <a:srgbClr val="000000"/>
+              </a:solidFill>
+              <a:latin typeface="Arial"/>
+            </a:endParaRPr>
+          </a:p>
+          <a:p>
+            <a:pPr lvl="1" marL="864000" indent="-324000">
+              <a:spcBef>
+                <a:spcPts val="1134"/>
+              </a:spcBef>
+              <a:buClr>
+                <a:srgbClr val="000000"/>
+              </a:buClr>
+              <a:buSzPct val="75000"/>
+              <a:buFont typeface="Symbol" charset="2"/>
+              <a:buChar char=""/>
+            </a:pPr>
+            <a:r>
+              <a:rPr b="0" lang="en-US" sz="1800" spc="-1" strike="noStrike">
+                <a:solidFill>
+                  <a:srgbClr val="000000"/>
+                </a:solidFill>
+                <a:latin typeface="Arial"/>
+              </a:rPr>
+              <a:t>Second Outline Level</a:t>
+            </a:r>
+            <a:endParaRPr b="0" lang="en-US" sz="1800" spc="-1" strike="noStrike">
+              <a:solidFill>
+                <a:srgbClr val="000000"/>
+              </a:solidFill>
+              <a:latin typeface="Arial"/>
+            </a:endParaRPr>
+          </a:p>
+          <a:p>
+            <a:pPr lvl="2" marL="1296000" indent="-288000">
+              <a:spcBef>
                 <a:spcPts val="850"/>
-              </a:spcAft>
-            </a:pPr>
-            <a:r>
-              <a:rPr b="0" lang="en-US" sz="1500" spc="-1" strike="noStrike">
-                <a:solidFill>
-                  <a:srgbClr val="ffffff"/>
-                </a:solidFill>
-                <a:latin typeface="Source Sans Pro"/>
-              </a:rPr>
-              <a:t>Second Outline Level</a:t>
-            </a:r>
-            <a:endParaRPr b="0" lang="en-US" sz="1500" spc="-1" strike="noStrike">
-              <a:solidFill>
-                <a:srgbClr val="ffffff"/>
-              </a:solidFill>
-              <a:latin typeface="Source Sans Pro"/>
-            </a:endParaRPr>
-          </a:p>
-          <a:p>
-            <a:pPr lvl="2" marL="1296000" indent="0">
-              <a:spcAft>
-                <a:spcPts val="635"/>
-              </a:spcAft>
-            </a:pPr>
-            <a:r>
-              <a:rPr b="0" lang="en-US" sz="1500" spc="-1" strike="noStrike">
-                <a:solidFill>
-                  <a:srgbClr val="ffffff"/>
-                </a:solidFill>
-                <a:latin typeface="Source Sans Pro"/>
+              </a:spcBef>
+              <a:buClr>
+                <a:srgbClr val="000000"/>
+              </a:buClr>
+              <a:buSzPct val="45000"/>
+              <a:buFont typeface="Wingdings" charset="2"/>
+              <a:buChar char=""/>
+            </a:pPr>
+            <a:r>
+              <a:rPr b="0" lang="en-US" sz="1800" spc="-1" strike="noStrike">
+                <a:solidFill>
+                  <a:srgbClr val="000000"/>
+                </a:solidFill>
+                <a:latin typeface="Arial"/>
               </a:rPr>
               <a:t>Third Outline Level</a:t>
             </a:r>
-            <a:endParaRPr b="0" lang="en-US" sz="1500" spc="-1" strike="noStrike">
-              <a:solidFill>
-                <a:srgbClr val="ffffff"/>
-              </a:solidFill>
-              <a:latin typeface="Source Sans Pro"/>
-            </a:endParaRPr>
-          </a:p>
-          <a:p>
-            <a:pPr lvl="3" marL="1728000" indent="0">
-              <a:spcAft>
-                <a:spcPts val="425"/>
-              </a:spcAft>
-            </a:pPr>
-            <a:r>
-              <a:rPr b="0" lang="en-US" sz="1500" spc="-1" strike="noStrike">
-                <a:solidFill>
-                  <a:srgbClr val="ffffff"/>
-                </a:solidFill>
-                <a:latin typeface="Source Sans Pro"/>
+            <a:endParaRPr b="0" lang="en-US" sz="1800" spc="-1" strike="noStrike">
+              <a:solidFill>
+                <a:srgbClr val="000000"/>
+              </a:solidFill>
+              <a:latin typeface="Arial"/>
+            </a:endParaRPr>
+          </a:p>
+          <a:p>
+            <a:pPr lvl="3" marL="1728000" indent="-216000">
+              <a:spcBef>
+                <a:spcPts val="567"/>
+              </a:spcBef>
+              <a:buClr>
+                <a:srgbClr val="000000"/>
+              </a:buClr>
+              <a:buSzPct val="75000"/>
+              <a:buFont typeface="Symbol" charset="2"/>
+              <a:buChar char=""/>
+            </a:pPr>
+            <a:r>
+              <a:rPr b="0" lang="en-US" sz="1800" spc="-1" strike="noStrike">
+                <a:solidFill>
+                  <a:srgbClr val="000000"/>
+                </a:solidFill>
+                <a:latin typeface="Arial"/>
               </a:rPr>
               <a:t>Fourth Outline Level</a:t>
             </a:r>
-            <a:endParaRPr b="0" lang="en-US" sz="1500" spc="-1" strike="noStrike">
-              <a:solidFill>
-                <a:srgbClr val="ffffff"/>
-              </a:solidFill>
-              <a:latin typeface="Source Sans Pro"/>
-            </a:endParaRPr>
-          </a:p>
-          <a:p>
-            <a:pPr lvl="4" marL="2160000" indent="0">
-              <a:spcAft>
-                <a:spcPts val="213"/>
-              </a:spcAft>
-            </a:pPr>
-            <a:r>
-              <a:rPr b="0" lang="en-US" sz="1500" spc="-1" strike="noStrike">
-                <a:solidFill>
-                  <a:srgbClr val="ffffff"/>
-                </a:solidFill>
-                <a:latin typeface="Source Sans Pro"/>
+            <a:endParaRPr b="0" lang="en-US" sz="1800" spc="-1" strike="noStrike">
+              <a:solidFill>
+                <a:srgbClr val="000000"/>
+              </a:solidFill>
+              <a:latin typeface="Arial"/>
+            </a:endParaRPr>
+          </a:p>
+          <a:p>
+            <a:pPr lvl="4" marL="2160000" indent="-216000">
+              <a:spcBef>
+                <a:spcPts val="283"/>
+              </a:spcBef>
+              <a:buClr>
+                <a:srgbClr val="000000"/>
+              </a:buClr>
+              <a:buSzPct val="45000"/>
+              <a:buFont typeface="Wingdings" charset="2"/>
+              <a:buChar char=""/>
+            </a:pPr>
+            <a:r>
+              <a:rPr b="0" lang="en-US" sz="1800" spc="-1" strike="noStrike">
+                <a:solidFill>
+                  <a:srgbClr val="000000"/>
+                </a:solidFill>
+                <a:latin typeface="Arial"/>
               </a:rPr>
               <a:t>Fifth Outline Level</a:t>
             </a:r>
-            <a:endParaRPr b="0" lang="en-US" sz="1500" spc="-1" strike="noStrike">
-              <a:solidFill>
-                <a:srgbClr val="ffffff"/>
-              </a:solidFill>
-              <a:latin typeface="Source Sans Pro"/>
-            </a:endParaRPr>
-          </a:p>
-          <a:p>
-            <a:pPr lvl="5" marL="2592000" indent="0">
-              <a:spcAft>
-                <a:spcPts val="213"/>
-              </a:spcAft>
-            </a:pPr>
-            <a:r>
-              <a:rPr b="0" lang="en-US" sz="1500" spc="-1" strike="noStrike">
-                <a:solidFill>
-                  <a:srgbClr val="ffffff"/>
-                </a:solidFill>
-                <a:latin typeface="Source Sans Pro"/>
+            <a:endParaRPr b="0" lang="en-US" sz="1800" spc="-1" strike="noStrike">
+              <a:solidFill>
+                <a:srgbClr val="000000"/>
+              </a:solidFill>
+              <a:latin typeface="Arial"/>
+            </a:endParaRPr>
+          </a:p>
+          <a:p>
+            <a:pPr lvl="5" marL="2592000" indent="-216000">
+              <a:spcBef>
+                <a:spcPts val="283"/>
+              </a:spcBef>
+              <a:buClr>
+                <a:srgbClr val="000000"/>
+              </a:buClr>
+              <a:buSzPct val="45000"/>
+              <a:buFont typeface="Wingdings" charset="2"/>
+              <a:buChar char=""/>
+            </a:pPr>
+            <a:r>
+              <a:rPr b="0" lang="en-US" sz="1800" spc="-1" strike="noStrike">
+                <a:solidFill>
+                  <a:srgbClr val="000000"/>
+                </a:solidFill>
+                <a:latin typeface="Arial"/>
               </a:rPr>
               <a:t>Sixth Outline Level</a:t>
             </a:r>
-            <a:endParaRPr b="0" lang="en-US" sz="1500" spc="-1" strike="noStrike">
-              <a:solidFill>
-                <a:srgbClr val="ffffff"/>
-              </a:solidFill>
-              <a:latin typeface="Source Sans Pro"/>
-            </a:endParaRPr>
-          </a:p>
-          <a:p>
-            <a:pPr lvl="6" marL="3024000" indent="0">
-              <a:spcAft>
-                <a:spcPts val="213"/>
-              </a:spcAft>
-            </a:pPr>
-            <a:r>
-              <a:rPr b="0" lang="en-US" sz="1500" spc="-1" strike="noStrike">
-                <a:solidFill>
-                  <a:srgbClr val="ffffff"/>
-                </a:solidFill>
-                <a:latin typeface="Source Sans Pro"/>
+            <a:endParaRPr b="0" lang="en-US" sz="1800" spc="-1" strike="noStrike">
+              <a:solidFill>
+                <a:srgbClr val="000000"/>
+              </a:solidFill>
+              <a:latin typeface="Arial"/>
+            </a:endParaRPr>
+          </a:p>
+          <a:p>
+            <a:pPr lvl="6" marL="3024000" indent="-216000">
+              <a:spcBef>
+                <a:spcPts val="283"/>
+              </a:spcBef>
+              <a:buClr>
+                <a:srgbClr val="000000"/>
+              </a:buClr>
+              <a:buSzPct val="45000"/>
+              <a:buFont typeface="Wingdings" charset="2"/>
+              <a:buChar char=""/>
+            </a:pPr>
+            <a:r>
+              <a:rPr b="0" lang="en-US" sz="1800" spc="-1" strike="noStrike">
+                <a:solidFill>
+                  <a:srgbClr val="000000"/>
+                </a:solidFill>
+                <a:latin typeface="Arial"/>
               </a:rPr>
               <a:t>Seventh Outline Level</a:t>
             </a:r>
-            <a:endParaRPr b="0" lang="en-US" sz="1500" spc="-1" strike="noStrike">
-              <a:solidFill>
-                <a:srgbClr val="ffffff"/>
-              </a:solidFill>
-              <a:latin typeface="Source Sans Pro"/>
-            </a:endParaRPr>
-          </a:p>
-        </p:txBody>
-      </p:sp>
-      <p:sp>
-        <p:nvSpPr>
-          <p:cNvPr id="25" name="PlaceHolder 3"/>
-          <p:cNvSpPr>
-            <a:spLocks noGrp="1"/>
-          </p:cNvSpPr>
-          <p:nvPr>
-            <p:ph type="dt" idx="7"/>
+            <a:endParaRPr b="0" lang="en-US" sz="1800" spc="-1" strike="noStrike">
+              <a:solidFill>
+                <a:srgbClr val="000000"/>
+              </a:solidFill>
+              <a:latin typeface="Arial"/>
+            </a:endParaRPr>
+          </a:p>
+        </p:txBody>
+      </p:sp>
+      <p:sp>
+        <p:nvSpPr>
+          <p:cNvPr id="32" name="PlaceHolder 3"/>
+          <p:cNvSpPr>
+            <a:spLocks noGrp="1"/>
+          </p:cNvSpPr>
+          <p:nvPr>
+            <p:ph type="ftr" idx="10"/>
           </p:nvPr>
         </p:nvSpPr>
         <p:spPr>
           <a:xfrm>
-            <a:off x="360000" y="5400000"/>
-            <a:ext cx="2880000" cy="270000"/>
+            <a:off x="3420000" y="5400000"/>
+            <a:ext cx="3239640" cy="269640"/>
           </a:xfrm>
           <a:prstGeom prst="rect">
             <a:avLst/>
@@ -2196,8 +2961,14 @@
             <a:noAutofit/>
           </a:bodyPr>
           <a:lstStyle>
-            <a:lvl1pPr indent="0">
+            <a:lvl1pPr indent="0" algn="ctr">
+              <a:lnSpc>
+                <a:spcPct val="100000"/>
+              </a:lnSpc>
               <a:buNone/>
+              <a:tabLst>
+                <a:tab algn="l" pos="0"/>
+              </a:tabLst>
               <a:defRPr b="1" lang="en-US" sz="1800" spc="-1" strike="noStrike">
                 <a:solidFill>
                   <a:srgbClr val="ffffff"/>
@@ -2207,8 +2978,14 @@
             </a:lvl1pPr>
           </a:lstStyle>
           <a:p>
-            <a:pPr indent="0">
+            <a:pPr indent="0" algn="ctr">
+              <a:lnSpc>
+                <a:spcPct val="100000"/>
+              </a:lnSpc>
               <a:buNone/>
+              <a:tabLst>
+                <a:tab algn="l" pos="0"/>
+              </a:tabLst>
             </a:pPr>
             <a:r>
               <a:rPr b="1" lang="en-US" sz="1800" spc="-1" strike="noStrike">
@@ -2217,31 +2994,31 @@
                 </a:solidFill>
                 <a:latin typeface="Source Sans Pro Black"/>
               </a:rPr>
-              <a:t>&lt;date/time&gt;</a:t>
-            </a:r>
-            <a:endParaRPr b="1" lang="en-US" sz="1800" spc="-1" strike="noStrike">
-              <a:solidFill>
-                <a:srgbClr val="ffffff"/>
-              </a:solidFill>
-              <a:latin typeface="Source Sans Pro Black"/>
-            </a:endParaRPr>
-          </a:p>
-        </p:txBody>
-      </p:sp>
-      <p:sp>
-        <p:nvSpPr>
-          <p:cNvPr id="26" name="PlaceHolder 4"/>
-          <p:cNvSpPr>
-            <a:spLocks noGrp="1"/>
-          </p:cNvSpPr>
-          <p:nvPr>
-            <p:ph type="ftr" idx="8"/>
+              <a:t>&lt;footer&gt;</a:t>
+            </a:r>
+            <a:endParaRPr b="0" lang="en-US" sz="1800" spc="-1" strike="noStrike">
+              <a:solidFill>
+                <a:srgbClr val="000000"/>
+              </a:solidFill>
+              <a:latin typeface="Times New Roman"/>
+            </a:endParaRPr>
+          </a:p>
+        </p:txBody>
+      </p:sp>
+      <p:sp>
+        <p:nvSpPr>
+          <p:cNvPr id="33" name="PlaceHolder 4"/>
+          <p:cNvSpPr>
+            <a:spLocks noGrp="1"/>
+          </p:cNvSpPr>
+          <p:nvPr>
+            <p:ph type="sldNum" idx="11"/>
           </p:nvPr>
         </p:nvSpPr>
         <p:spPr>
           <a:xfrm>
-            <a:off x="3420000" y="5400000"/>
-            <a:ext cx="3240000" cy="270000"/>
+            <a:off x="9180000" y="5130000"/>
+            <a:ext cx="719640" cy="539640"/>
           </a:xfrm>
           <a:prstGeom prst="rect">
             <a:avLst/>
@@ -2252,12 +3029,18 @@
           </a:ln>
         </p:spPr>
         <p:txBody>
-          <a:bodyPr lIns="0" rIns="0" tIns="0" bIns="0" anchor="t">
+          <a:bodyPr lIns="0" rIns="0" tIns="0" bIns="0" anchor="ctr">
             <a:noAutofit/>
           </a:bodyPr>
           <a:lstStyle>
             <a:lvl1pPr indent="0" algn="ctr">
+              <a:lnSpc>
+                <a:spcPct val="100000"/>
+              </a:lnSpc>
               <a:buNone/>
+              <a:tabLst>
+                <a:tab algn="l" pos="0"/>
+              </a:tabLst>
               <a:defRPr b="1" lang="en-US" sz="1800" spc="-1" strike="noStrike">
                 <a:solidFill>
                   <a:srgbClr val="ffffff"/>
@@ -2268,40 +3051,46 @@
           </a:lstStyle>
           <a:p>
             <a:pPr indent="0" algn="ctr">
+              <a:lnSpc>
+                <a:spcPct val="100000"/>
+              </a:lnSpc>
               <a:buNone/>
-            </a:pPr>
-            <a:r>
+              <a:tabLst>
+                <a:tab algn="l" pos="0"/>
+              </a:tabLst>
+            </a:pPr>
+            <a:fld id="{3CB25819-0039-4228-B705-3D6639408B0E}" type="slidenum">
               <a:rPr b="1" lang="en-US" sz="1800" spc="-1" strike="noStrike">
                 <a:solidFill>
                   <a:srgbClr val="ffffff"/>
                 </a:solidFill>
                 <a:latin typeface="Source Sans Pro Black"/>
               </a:rPr>
-              <a:t>&lt;footer&gt;</a:t>
-            </a:r>
-            <a:endParaRPr b="1" lang="en-US" sz="1800" spc="-1" strike="noStrike">
-              <a:solidFill>
-                <a:srgbClr val="ffffff"/>
-              </a:solidFill>
-              <a:latin typeface="Source Sans Pro Black"/>
-            </a:endParaRPr>
-          </a:p>
-        </p:txBody>
-      </p:sp>
-      <p:sp>
-        <p:nvSpPr>
-          <p:cNvPr id="27" name="PlaceHolder 5"/>
-          <p:cNvSpPr>
-            <a:spLocks noGrp="1"/>
-          </p:cNvSpPr>
-          <p:nvPr>
-            <p:ph type="sldNum" idx="9"/>
+              <a:t>&lt;number&gt;</a:t>
+            </a:fld>
+            <a:endParaRPr b="0" lang="en-US" sz="1800" spc="-1" strike="noStrike">
+              <a:solidFill>
+                <a:srgbClr val="000000"/>
+              </a:solidFill>
+              <a:latin typeface="Times New Roman"/>
+            </a:endParaRPr>
+          </a:p>
+        </p:txBody>
+      </p:sp>
+      <p:sp>
+        <p:nvSpPr>
+          <p:cNvPr id="34" name="PlaceHolder 5"/>
+          <p:cNvSpPr>
+            <a:spLocks noGrp="1"/>
+          </p:cNvSpPr>
+          <p:nvPr>
+            <p:ph type="dt" idx="12"/>
           </p:nvPr>
         </p:nvSpPr>
         <p:spPr>
           <a:xfrm>
-            <a:off x="9180000" y="5130000"/>
-            <a:ext cx="720000" cy="540000"/>
+            <a:off x="360000" y="5400000"/>
+            <a:ext cx="2879640" cy="269640"/>
           </a:xfrm>
           <a:prstGeom prst="rect">
             <a:avLst/>
@@ -2312,38 +3101,38 @@
           </a:ln>
         </p:spPr>
         <p:txBody>
-          <a:bodyPr lIns="0" rIns="0" tIns="0" bIns="0" anchor="ctr">
+          <a:bodyPr lIns="0" rIns="0" tIns="0" bIns="0" anchor="t">
             <a:noAutofit/>
           </a:bodyPr>
           <a:lstStyle>
-            <a:lvl1pPr indent="0" algn="ctr">
+            <a:lvl1pPr indent="0">
               <a:buNone/>
-              <a:defRPr b="1" lang="en-US" sz="1800" spc="-1" strike="noStrike">
-                <a:solidFill>
-                  <a:srgbClr val="ffffff"/>
-                </a:solidFill>
-                <a:latin typeface="Source Sans Pro Black"/>
+              <a:defRPr b="0" lang="en-US" sz="1400" spc="-1" strike="noStrike">
+                <a:solidFill>
+                  <a:srgbClr val="000000"/>
+                </a:solidFill>
+                <a:latin typeface="Times New Roman"/>
               </a:defRPr>
             </a:lvl1pPr>
           </a:lstStyle>
           <a:p>
-            <a:pPr indent="0" algn="ctr">
+            <a:pPr indent="0">
               <a:buNone/>
             </a:pPr>
-            <a:fld id="{303844FE-6CA0-4CC4-91AF-B1727CC69515}" type="slidenum">
-              <a:rPr b="1" lang="en-US" sz="1800" spc="-1" strike="noStrike">
-                <a:solidFill>
-                  <a:srgbClr val="ffffff"/>
-                </a:solidFill>
-                <a:latin typeface="Source Sans Pro Black"/>
-              </a:rPr>
-              <a:t>&lt;number&gt;</a:t>
-            </a:fld>
-            <a:endParaRPr b="1" lang="en-US" sz="1800" spc="-1" strike="noStrike">
-              <a:solidFill>
-                <a:srgbClr val="ffffff"/>
-              </a:solidFill>
-              <a:latin typeface="Source Sans Pro Black"/>
+            <a:r>
+              <a:rPr b="0" lang="en-US" sz="1400" spc="-1" strike="noStrike">
+                <a:solidFill>
+                  <a:srgbClr val="000000"/>
+                </a:solidFill>
+                <a:latin typeface="Times New Roman"/>
+              </a:rPr>
+              <a:t>&lt;date/time&gt;</a:t>
+            </a:r>
+            <a:endParaRPr b="0" lang="en-US" sz="1400" spc="-1" strike="noStrike">
+              <a:solidFill>
+                <a:srgbClr val="000000"/>
+              </a:solidFill>
+              <a:latin typeface="Times New Roman"/>
             </a:endParaRPr>
           </a:p>
         </p:txBody>
@@ -2352,7 +3141,7 @@
   </p:cSld>
   <p:clrMap bg1="lt1" bg2="lt2" tx1="dk1" tx2="dk2" accent1="accent1" accent2="accent2" accent3="accent3" accent4="accent4" accent5="accent5" accent6="accent6" hlink="hlink" folHlink="folHlink"/>
   <p:sldLayoutIdLst>
-    <p:sldLayoutId id="2147483654" r:id="rId2"/>
+    <p:sldLayoutId id="2147483655" r:id="rId2"/>
   </p:sldLayoutIdLst>
 </p:sldMaster>
 </file>
@@ -2376,7 +3165,7 @@
       </p:grpSpPr>
       <p:sp>
         <p:nvSpPr>
-          <p:cNvPr id="30" name="PlaceHolder 1"/>
+          <p:cNvPr id="37" name="PlaceHolder 1"/>
           <p:cNvSpPr>
             <a:spLocks noGrp="1"/>
           </p:cNvSpPr>
@@ -2387,7 +3176,7 @@
         <p:spPr>
           <a:xfrm>
             <a:off x="360000" y="2835000"/>
-            <a:ext cx="9360000" cy="718920"/>
+            <a:ext cx="9359640" cy="718560"/>
           </a:xfrm>
           <a:prstGeom prst="rect">
             <a:avLst/>
@@ -2407,6 +3196,9 @@
                 <a:spcPct val="150000"/>
               </a:lnSpc>
               <a:buNone/>
+              <a:tabLst>
+                <a:tab algn="l" pos="0"/>
+              </a:tabLst>
             </a:pPr>
             <a:r>
               <a:rPr b="1" lang="en-US" sz="2700" spc="-1" strike="noStrike">
@@ -2417,18 +3209,18 @@
               </a:rPr>
               <a:t>Digital Asset Distribution System case</a:t>
             </a:r>
-            <a:endParaRPr b="1" lang="en-US" sz="2700" spc="-1" strike="noStrike">
-              <a:solidFill>
-                <a:srgbClr val="ffffff"/>
-              </a:solidFill>
-              <a:latin typeface="Source Sans Pro Black"/>
-            </a:endParaRPr>
-          </a:p>
-        </p:txBody>
-      </p:sp>
-      <p:sp>
-        <p:nvSpPr>
-          <p:cNvPr id="31" name="PlaceHolder 2"/>
+            <a:endParaRPr b="0" lang="en-US" sz="2700" spc="-1" strike="noStrike">
+              <a:solidFill>
+                <a:srgbClr val="000000"/>
+              </a:solidFill>
+              <a:latin typeface="Arial"/>
+            </a:endParaRPr>
+          </a:p>
+        </p:txBody>
+      </p:sp>
+      <p:sp>
+        <p:nvSpPr>
+          <p:cNvPr id="38" name="PlaceHolder 2"/>
           <p:cNvSpPr>
             <a:spLocks noGrp="1"/>
           </p:cNvSpPr>
@@ -2439,7 +3231,7 @@
         <p:spPr>
           <a:xfrm>
             <a:off x="360000" y="3915000"/>
-            <a:ext cx="9360000" cy="1485000"/>
+            <a:ext cx="9359640" cy="1484640"/>
           </a:xfrm>
           <a:prstGeom prst="rect">
             <a:avLst/>
@@ -2455,7 +3247,13 @@
           </a:bodyPr>
           <a:p>
             <a:pPr indent="0" algn="ctr">
+              <a:lnSpc>
+                <a:spcPct val="100000"/>
+              </a:lnSpc>
               <a:buNone/>
+              <a:tabLst>
+                <a:tab algn="l" pos="0"/>
+              </a:tabLst>
             </a:pPr>
             <a:r>
               <a:rPr b="0" lang="en-US" sz="2200" spc="-1" strike="noStrike">
@@ -2468,9 +3266,9 @@
             </a:r>
             <a:endParaRPr b="0" lang="en-US" sz="2200" spc="-1" strike="noStrike">
               <a:solidFill>
-                <a:srgbClr val="ffffff"/>
-              </a:solidFill>
-              <a:latin typeface="Source Sans Pro"/>
+                <a:srgbClr val="000000"/>
+              </a:solidFill>
+              <a:latin typeface="Arial"/>
             </a:endParaRPr>
           </a:p>
         </p:txBody>
@@ -2507,7 +3305,7 @@
       </p:grpSpPr>
       <p:sp>
         <p:nvSpPr>
-          <p:cNvPr id="48" name="PlaceHolder 1"/>
+          <p:cNvPr id="55" name="PlaceHolder 1"/>
           <p:cNvSpPr>
             <a:spLocks noGrp="1"/>
           </p:cNvSpPr>
@@ -2518,7 +3316,7 @@
         <p:spPr>
           <a:xfrm>
             <a:off x="360000" y="225720"/>
-            <a:ext cx="9360000" cy="718920"/>
+            <a:ext cx="9359640" cy="718560"/>
           </a:xfrm>
           <a:prstGeom prst="rect">
             <a:avLst/>
@@ -2534,7 +3332,13 @@
           </a:bodyPr>
           <a:p>
             <a:pPr indent="0">
+              <a:lnSpc>
+                <a:spcPct val="100000"/>
+              </a:lnSpc>
               <a:buNone/>
+              <a:tabLst>
+                <a:tab algn="l" pos="0"/>
+              </a:tabLst>
             </a:pPr>
             <a:r>
               <a:rPr b="1" lang="en-US" sz="2700" spc="-1" strike="noStrike">
@@ -2545,18 +3349,18 @@
               </a:rPr>
               <a:t>Next steps. Technical</a:t>
             </a:r>
-            <a:endParaRPr b="1" lang="en-US" sz="2700" spc="-1" strike="noStrike">
-              <a:solidFill>
-                <a:srgbClr val="ffffff"/>
-              </a:solidFill>
-              <a:latin typeface="Source Sans Pro Black"/>
-            </a:endParaRPr>
-          </a:p>
-        </p:txBody>
-      </p:sp>
-      <p:sp>
-        <p:nvSpPr>
-          <p:cNvPr id="49" name="PlaceHolder 2"/>
+            <a:endParaRPr b="0" lang="en-US" sz="2700" spc="-1" strike="noStrike">
+              <a:solidFill>
+                <a:srgbClr val="000000"/>
+              </a:solidFill>
+              <a:latin typeface="Arial"/>
+            </a:endParaRPr>
+          </a:p>
+        </p:txBody>
+      </p:sp>
+      <p:sp>
+        <p:nvSpPr>
+          <p:cNvPr id="56" name="PlaceHolder 2"/>
           <p:cNvSpPr>
             <a:spLocks noGrp="1"/>
           </p:cNvSpPr>
@@ -2567,7 +3371,7 @@
         <p:spPr>
           <a:xfrm>
             <a:off x="360000" y="1485000"/>
-            <a:ext cx="9360000" cy="3780000"/>
+            <a:ext cx="9359640" cy="3779640"/>
           </a:xfrm>
           <a:prstGeom prst="rect">
             <a:avLst/>
@@ -2579,10 +3383,13 @@
         </p:spPr>
         <p:txBody>
           <a:bodyPr lIns="0" rIns="0" tIns="0" bIns="0" anchor="t">
-            <a:normAutofit fontScale="93713"/>
+            <a:normAutofit/>
           </a:bodyPr>
           <a:p>
             <a:pPr marL="432000" indent="-324000">
+              <a:lnSpc>
+                <a:spcPct val="100000"/>
+              </a:lnSpc>
               <a:spcAft>
                 <a:spcPts val="1057"/>
               </a:spcAft>
@@ -2600,26 +3407,20 @@
                 </a:solidFill>
                 <a:latin typeface="Source Sans Pro Semibold"/>
               </a:rPr>
-              <a:t>Pair-programming to improve code quality in a sense of </a:t>
-            </a:r>
-            <a:r>
-              <a:rPr b="1" lang="en-US" sz="2400" spc="-1" strike="noStrike">
-                <a:solidFill>
-                  <a:srgbClr val="2c3e50"/>
-                </a:solidFill>
-                <a:latin typeface="Source Sans Pro Semibold"/>
-              </a:rPr>
-              <a:t>following C# code conventions</a:t>
-            </a:r>
-            <a:endParaRPr b="1" lang="en-US" sz="2400" spc="-1" strike="noStrike">
-              <a:solidFill>
-                <a:srgbClr val="2c3e50"/>
-              </a:solidFill>
-              <a:latin typeface="Source Sans Pro Semibold"/>
+              <a:t>Pair-programming to improve code quality in a sense of following C# code conventions</a:t>
+            </a:r>
+            <a:endParaRPr b="0" lang="en-US" sz="2400" spc="-1" strike="noStrike">
+              <a:solidFill>
+                <a:srgbClr val="000000"/>
+              </a:solidFill>
+              <a:latin typeface="Arial"/>
             </a:endParaRPr>
           </a:p>
           <a:p>
             <a:pPr marL="432000" indent="-324000">
+              <a:lnSpc>
+                <a:spcPct val="100000"/>
+              </a:lnSpc>
               <a:spcAft>
                 <a:spcPts val="1057"/>
               </a:spcAft>
@@ -2637,26 +3438,20 @@
                 </a:solidFill>
                 <a:latin typeface="Source Sans Pro Semibold"/>
               </a:rPr>
-              <a:t>Add unit tests and code to handle corner cases (can be split </a:t>
-            </a:r>
-            <a:r>
-              <a:rPr b="1" lang="en-US" sz="2400" spc="-1" strike="noStrike">
-                <a:solidFill>
-                  <a:srgbClr val="2c3e50"/>
-                </a:solidFill>
-                <a:latin typeface="Source Sans Pro Semibold"/>
-              </a:rPr>
-              <a:t>into independent tickets)</a:t>
-            </a:r>
-            <a:endParaRPr b="1" lang="en-US" sz="2400" spc="-1" strike="noStrike">
-              <a:solidFill>
-                <a:srgbClr val="2c3e50"/>
-              </a:solidFill>
-              <a:latin typeface="Source Sans Pro Semibold"/>
+              <a:t>Add tests and handle corner cases in the code (can be split into independent tickets)</a:t>
+            </a:r>
+            <a:endParaRPr b="0" lang="en-US" sz="2400" spc="-1" strike="noStrike">
+              <a:solidFill>
+                <a:srgbClr val="000000"/>
+              </a:solidFill>
+              <a:latin typeface="Arial"/>
             </a:endParaRPr>
           </a:p>
           <a:p>
             <a:pPr marL="432000" indent="-324000">
+              <a:lnSpc>
+                <a:spcPct val="100000"/>
+              </a:lnSpc>
               <a:spcAft>
                 <a:spcPts val="1057"/>
               </a:spcAft>
@@ -2676,15 +3471,18 @@
               </a:rPr>
               <a:t>Add security</a:t>
             </a:r>
-            <a:endParaRPr b="1" lang="en-US" sz="2400" spc="-1" strike="noStrike">
-              <a:solidFill>
-                <a:srgbClr val="2c3e50"/>
-              </a:solidFill>
-              <a:latin typeface="Source Sans Pro Semibold"/>
+            <a:endParaRPr b="0" lang="en-US" sz="2400" spc="-1" strike="noStrike">
+              <a:solidFill>
+                <a:srgbClr val="000000"/>
+              </a:solidFill>
+              <a:latin typeface="Arial"/>
             </a:endParaRPr>
           </a:p>
           <a:p>
             <a:pPr marL="432000" indent="-324000">
+              <a:lnSpc>
+                <a:spcPct val="100000"/>
+              </a:lnSpc>
               <a:spcAft>
                 <a:spcPts val="1057"/>
               </a:spcAft>
@@ -2701,18 +3499,31 @@
                   <a:srgbClr val="2c3e50"/>
                 </a:solidFill>
                 <a:latin typeface="Source Sans Pro Semibold"/>
-              </a:rPr>
-              <a:t>Add integration tests</a:t>
-            </a:r>
-            <a:endParaRPr b="1" lang="en-US" sz="2400" spc="-1" strike="noStrike">
-              <a:solidFill>
-                <a:srgbClr val="2c3e50"/>
-              </a:solidFill>
-              <a:latin typeface="Source Sans Pro Semibold"/>
+                <a:ea typeface="Noto Sans CJK SC"/>
+              </a:rPr>
+              <a:t>Find out how </a:t>
+            </a:r>
+            <a:r>
+              <a:rPr b="1" lang="en-US" sz="2400" spc="-1" strike="noStrike">
+                <a:solidFill>
+                  <a:srgbClr val="2c3e50"/>
+                </a:solidFill>
+                <a:latin typeface="Source Sans Pro Semibold"/>
+              </a:rPr>
+              <a:t>BriefingMetadata is linked to an asset</a:t>
+            </a:r>
+            <a:endParaRPr b="0" lang="en-US" sz="2400" spc="-1" strike="noStrike">
+              <a:solidFill>
+                <a:srgbClr val="000000"/>
+              </a:solidFill>
+              <a:latin typeface="Arial"/>
             </a:endParaRPr>
           </a:p>
           <a:p>
             <a:pPr marL="432000" indent="-324000">
+              <a:lnSpc>
+                <a:spcPct val="100000"/>
+              </a:lnSpc>
               <a:spcAft>
                 <a:spcPts val="1057"/>
               </a:spcAft>
@@ -2732,15 +3543,18 @@
               </a:rPr>
               <a:t>Configure a Service Mesh (e.g. Istio)</a:t>
             </a:r>
-            <a:endParaRPr b="1" lang="en-US" sz="2400" spc="-1" strike="noStrike">
-              <a:solidFill>
-                <a:srgbClr val="2c3e50"/>
-              </a:solidFill>
-              <a:latin typeface="Source Sans Pro Semibold"/>
+            <a:endParaRPr b="0" lang="en-US" sz="2400" spc="-1" strike="noStrike">
+              <a:solidFill>
+                <a:srgbClr val="000000"/>
+              </a:solidFill>
+              <a:latin typeface="Arial"/>
             </a:endParaRPr>
           </a:p>
           <a:p>
             <a:pPr marL="432000" indent="-324000">
+              <a:lnSpc>
+                <a:spcPct val="100000"/>
+              </a:lnSpc>
               <a:spcAft>
                 <a:spcPts val="1057"/>
               </a:spcAft>
@@ -2760,11 +3574,11 @@
               </a:rPr>
               <a:t>Deploy to EKS/AKS using IaC (e.g. OpenTofu)</a:t>
             </a:r>
-            <a:endParaRPr b="1" lang="en-US" sz="2400" spc="-1" strike="noStrike">
-              <a:solidFill>
-                <a:srgbClr val="2c3e50"/>
-              </a:solidFill>
-              <a:latin typeface="Source Sans Pro Semibold"/>
+            <a:endParaRPr b="0" lang="en-US" sz="2400" spc="-1" strike="noStrike">
+              <a:solidFill>
+                <a:srgbClr val="000000"/>
+              </a:solidFill>
+              <a:latin typeface="Arial"/>
             </a:endParaRPr>
           </a:p>
         </p:txBody>
@@ -2776,14 +3590,14 @@
             <a:spLocks noGrp="1"/>
           </p:cNvSpPr>
           <p:nvPr>
-            <p:ph type="sldNum" idx="3"/>
+            <p:ph type="sldNum" idx="2"/>
           </p:nvPr>
         </p:nvSpPr>
         <p:spPr/>
         <p:txBody>
           <a:bodyPr/>
           <a:p>
-            <a:fld id="{66341907-175D-4D46-B912-58B9254E6EC7}" type="slidenum">
+            <a:fld id="{DDDDA836-9FD3-4A5C-8EA0-DA5145FFC870}" type="slidenum">
               <a:t>10</a:t>
             </a:fld>
           </a:p>
@@ -2821,7 +3635,7 @@
       </p:grpSpPr>
       <p:sp>
         <p:nvSpPr>
-          <p:cNvPr id="50" name="PlaceHolder 1"/>
+          <p:cNvPr id="57" name="PlaceHolder 1"/>
           <p:cNvSpPr>
             <a:spLocks noGrp="1"/>
           </p:cNvSpPr>
@@ -2832,7 +3646,7 @@
         <p:spPr>
           <a:xfrm>
             <a:off x="360000" y="225720"/>
-            <a:ext cx="9360000" cy="718920"/>
+            <a:ext cx="9359640" cy="718560"/>
           </a:xfrm>
           <a:prstGeom prst="rect">
             <a:avLst/>
@@ -2848,7 +3662,13 @@
           </a:bodyPr>
           <a:p>
             <a:pPr indent="0">
+              <a:lnSpc>
+                <a:spcPct val="100000"/>
+              </a:lnSpc>
               <a:buNone/>
+              <a:tabLst>
+                <a:tab algn="l" pos="0"/>
+              </a:tabLst>
             </a:pPr>
             <a:r>
               <a:rPr b="1" lang="en-US" sz="2700" spc="-1" strike="noStrike">
@@ -2859,18 +3679,18 @@
               </a:rPr>
               <a:t>Next steps. Product</a:t>
             </a:r>
-            <a:endParaRPr b="1" lang="en-US" sz="2700" spc="-1" strike="noStrike">
-              <a:solidFill>
-                <a:srgbClr val="ffffff"/>
-              </a:solidFill>
-              <a:latin typeface="Source Sans Pro Black"/>
-            </a:endParaRPr>
-          </a:p>
-        </p:txBody>
-      </p:sp>
-      <p:sp>
-        <p:nvSpPr>
-          <p:cNvPr id="51" name="PlaceHolder 2"/>
+            <a:endParaRPr b="0" lang="en-US" sz="2700" spc="-1" strike="noStrike">
+              <a:solidFill>
+                <a:srgbClr val="000000"/>
+              </a:solidFill>
+              <a:latin typeface="Arial"/>
+            </a:endParaRPr>
+          </a:p>
+        </p:txBody>
+      </p:sp>
+      <p:sp>
+        <p:nvSpPr>
+          <p:cNvPr id="58" name="PlaceHolder 2"/>
           <p:cNvSpPr>
             <a:spLocks noGrp="1"/>
           </p:cNvSpPr>
@@ -2881,7 +3701,7 @@
         <p:spPr>
           <a:xfrm>
             <a:off x="360000" y="1485000"/>
-            <a:ext cx="9360000" cy="3780000"/>
+            <a:ext cx="9359640" cy="3779640"/>
           </a:xfrm>
           <a:prstGeom prst="rect">
             <a:avLst/>
@@ -2893,10 +3713,13 @@
         </p:spPr>
         <p:txBody>
           <a:bodyPr lIns="0" rIns="0" tIns="0" bIns="0" anchor="t">
-            <a:normAutofit/>
+            <a:normAutofit fontScale="98333" lnSpcReduction="10000"/>
           </a:bodyPr>
           <a:p>
             <a:pPr marL="432000" indent="-324000">
+              <a:lnSpc>
+                <a:spcPct val="100000"/>
+              </a:lnSpc>
               <a:spcAft>
                 <a:spcPts val="1057"/>
               </a:spcAft>
@@ -2914,13 +3737,137 @@
                 </a:solidFill>
                 <a:latin typeface="Source Sans Pro Semibold"/>
               </a:rPr>
-              <a:t>Discuss usage scenarios </a:t>
-            </a:r>
-            <a:endParaRPr b="1" lang="en-US" sz="2400" spc="-1" strike="noStrike">
-              <a:solidFill>
+              <a:t>Present how the system works now. Does the flow make sense? Can the components have better names?</a:t>
+            </a:r>
+            <a:endParaRPr b="0" lang="en-US" sz="2400" spc="-1" strike="noStrike">
+              <a:solidFill>
+                <a:srgbClr val="000000"/>
+              </a:solidFill>
+              <a:latin typeface="Arial"/>
+            </a:endParaRPr>
+          </a:p>
+          <a:p>
+            <a:pPr marL="432000" indent="-324000">
+              <a:lnSpc>
+                <a:spcPct val="100000"/>
+              </a:lnSpc>
+              <a:spcAft>
+                <a:spcPts val="1057"/>
+              </a:spcAft>
+              <a:buClr>
                 <a:srgbClr val="2c3e50"/>
-              </a:solidFill>
-              <a:latin typeface="Source Sans Pro Semibold"/>
+              </a:buClr>
+              <a:buSzPct val="45000"/>
+              <a:buFont typeface="Wingdings" charset="2"/>
+              <a:buChar char=""/>
+            </a:pPr>
+            <a:r>
+              <a:rPr b="1" lang="en-US" sz="2400" spc="-1" strike="noStrike">
+                <a:solidFill>
+                  <a:srgbClr val="2c3e50"/>
+                </a:solidFill>
+                <a:latin typeface="Source Sans Pro Semibold"/>
+              </a:rPr>
+              <a:t>Discuss why is the metadata split this way. Is there a better way to organize it?</a:t>
+            </a:r>
+            <a:endParaRPr b="0" lang="en-US" sz="2400" spc="-1" strike="noStrike">
+              <a:solidFill>
+                <a:srgbClr val="000000"/>
+              </a:solidFill>
+              <a:latin typeface="Arial"/>
+            </a:endParaRPr>
+          </a:p>
+          <a:p>
+            <a:pPr marL="432000" indent="-324000">
+              <a:lnSpc>
+                <a:spcPct val="100000"/>
+              </a:lnSpc>
+              <a:spcAft>
+                <a:spcPts val="1057"/>
+              </a:spcAft>
+              <a:buClr>
+                <a:srgbClr val="2c3e50"/>
+              </a:buClr>
+              <a:buSzPct val="45000"/>
+              <a:buFont typeface="Wingdings" charset="2"/>
+              <a:buChar char=""/>
+            </a:pPr>
+            <a:r>
+              <a:rPr b="1" lang="en-US" sz="2400" spc="-1" strike="noStrike">
+                <a:solidFill>
+                  <a:srgbClr val="2c3e50"/>
+                </a:solidFill>
+                <a:latin typeface="Source Sans Pro Semibold"/>
+              </a:rPr>
+              <a:t>Does the metadata change over time? If so, how? </a:t>
+            </a:r>
+            <a:endParaRPr b="0" lang="en-US" sz="2400" spc="-1" strike="noStrike">
+              <a:solidFill>
+                <a:srgbClr val="000000"/>
+              </a:solidFill>
+              <a:latin typeface="Arial"/>
+            </a:endParaRPr>
+          </a:p>
+          <a:p>
+            <a:pPr marL="432000" indent="-324000">
+              <a:lnSpc>
+                <a:spcPct val="100000"/>
+              </a:lnSpc>
+              <a:spcAft>
+                <a:spcPts val="1057"/>
+              </a:spcAft>
+              <a:buClr>
+                <a:srgbClr val="2c3e50"/>
+              </a:buClr>
+              <a:buSzPct val="45000"/>
+              <a:buFont typeface="Wingdings" charset="2"/>
+              <a:buChar char=""/>
+            </a:pPr>
+            <a:r>
+              <a:rPr b="1" lang="en-US" sz="2400" spc="-1" strike="noStrike">
+                <a:solidFill>
+                  <a:srgbClr val="2c3e50"/>
+                </a:solidFill>
+                <a:latin typeface="Source Sans Pro Semibold"/>
+              </a:rPr>
+              <a:t>What are the requirements for the content delivery to the end consumer? Try to model it with less intermediate steps.</a:t>
+            </a:r>
+            <a:endParaRPr b="0" lang="en-US" sz="2400" spc="-1" strike="noStrike">
+              <a:solidFill>
+                <a:srgbClr val="000000"/>
+              </a:solidFill>
+              <a:latin typeface="Arial"/>
+            </a:endParaRPr>
+          </a:p>
+          <a:p>
+            <a:pPr marL="432000" indent="-324000">
+              <a:lnSpc>
+                <a:spcPct val="100000"/>
+              </a:lnSpc>
+              <a:spcAft>
+                <a:spcPts val="1057"/>
+              </a:spcAft>
+              <a:buClr>
+                <a:srgbClr val="2c3e50"/>
+              </a:buClr>
+              <a:buSzPct val="45000"/>
+              <a:buFont typeface="Wingdings" charset="2"/>
+              <a:buChar char=""/>
+            </a:pPr>
+            <a:r>
+              <a:rPr b="1" lang="en-US" sz="2400" spc="-1" strike="noStrike">
+                <a:solidFill>
+                  <a:srgbClr val="2c3e50"/>
+                </a:solidFill>
+                <a:latin typeface="Source Sans Pro Semibold"/>
+              </a:rPr>
+              <a:t>What else can the aggregated metadata be used for?</a:t>
+            </a:r>
+            <a:endParaRPr b="0" lang="en-US" sz="2400" spc="-1" strike="noStrike">
+              <a:solidFill>
+                <a:srgbClr val="000000"/>
+              </a:solidFill>
+              <a:latin typeface="Arial"/>
             </a:endParaRPr>
           </a:p>
         </p:txBody>
@@ -2932,14 +3879,14 @@
             <a:spLocks noGrp="1"/>
           </p:cNvSpPr>
           <p:nvPr>
-            <p:ph type="sldNum" idx="3"/>
+            <p:ph type="sldNum" idx="2"/>
           </p:nvPr>
         </p:nvSpPr>
         <p:spPr/>
         <p:txBody>
           <a:bodyPr/>
           <a:p>
-            <a:fld id="{1B8D4839-C705-4EE8-8D15-BCC912A79B7C}" type="slidenum">
+            <a:fld id="{206DEA79-78D5-4D38-BA87-F3CB572F86FF}" type="slidenum">
               <a:t>11</a:t>
             </a:fld>
           </a:p>
@@ -2977,7 +3924,7 @@
       </p:grpSpPr>
       <p:sp>
         <p:nvSpPr>
-          <p:cNvPr id="32" name="PlaceHolder 1"/>
+          <p:cNvPr id="39" name="PlaceHolder 1"/>
           <p:cNvSpPr>
             <a:spLocks noGrp="1"/>
           </p:cNvSpPr>
@@ -2988,7 +3935,7 @@
         <p:spPr>
           <a:xfrm>
             <a:off x="360000" y="225720"/>
-            <a:ext cx="9360000" cy="718920"/>
+            <a:ext cx="9359640" cy="718560"/>
           </a:xfrm>
           <a:prstGeom prst="rect">
             <a:avLst/>
@@ -3004,7 +3951,13 @@
           </a:bodyPr>
           <a:p>
             <a:pPr indent="0">
+              <a:lnSpc>
+                <a:spcPct val="100000"/>
+              </a:lnSpc>
               <a:buNone/>
+              <a:tabLst>
+                <a:tab algn="l" pos="0"/>
+              </a:tabLst>
             </a:pPr>
             <a:r>
               <a:rPr b="1" lang="en-US" sz="2700" spc="-1" strike="noStrike">
@@ -3015,18 +3968,18 @@
               </a:rPr>
               <a:t>Requirements</a:t>
             </a:r>
-            <a:endParaRPr b="1" lang="en-US" sz="2700" spc="-1" strike="noStrike">
-              <a:solidFill>
-                <a:srgbClr val="ffffff"/>
-              </a:solidFill>
-              <a:latin typeface="Source Sans Pro Black"/>
-            </a:endParaRPr>
-          </a:p>
-        </p:txBody>
-      </p:sp>
-      <p:sp>
-        <p:nvSpPr>
-          <p:cNvPr id="33" name="PlaceHolder 2"/>
+            <a:endParaRPr b="0" lang="en-US" sz="2700" spc="-1" strike="noStrike">
+              <a:solidFill>
+                <a:srgbClr val="000000"/>
+              </a:solidFill>
+              <a:latin typeface="Arial"/>
+            </a:endParaRPr>
+          </a:p>
+        </p:txBody>
+      </p:sp>
+      <p:sp>
+        <p:nvSpPr>
+          <p:cNvPr id="40" name="PlaceHolder 2"/>
           <p:cNvSpPr>
             <a:spLocks noGrp="1"/>
           </p:cNvSpPr>
@@ -3037,7 +3990,7 @@
         <p:spPr>
           <a:xfrm>
             <a:off x="360000" y="1485000"/>
-            <a:ext cx="9360000" cy="3780000"/>
+            <a:ext cx="9359640" cy="3779640"/>
           </a:xfrm>
           <a:prstGeom prst="rect">
             <a:avLst/>
@@ -3053,6 +4006,9 @@
           </a:bodyPr>
           <a:p>
             <a:pPr marL="432000" indent="-324000">
+              <a:lnSpc>
+                <a:spcPct val="100000"/>
+              </a:lnSpc>
               <a:spcAft>
                 <a:spcPts val="1057"/>
               </a:spcAft>
@@ -3070,26 +4026,20 @@
                 </a:solidFill>
                 <a:latin typeface="Source Sans Pro Semibold"/>
               </a:rPr>
-              <a:t>An application needs to be in place for content distribution so </a:t>
-            </a:r>
-            <a:r>
-              <a:rPr b="1" lang="en-US" sz="2400" spc="-1" strike="noStrike">
-                <a:solidFill>
-                  <a:srgbClr val="2c3e50"/>
-                </a:solidFill>
-                <a:latin typeface="Source Sans Pro Semibold"/>
-              </a:rPr>
-              <a:t>the digital platforms can consume it.</a:t>
-            </a:r>
-            <a:endParaRPr b="1" lang="en-US" sz="2400" spc="-1" strike="noStrike">
-              <a:solidFill>
-                <a:srgbClr val="2c3e50"/>
-              </a:solidFill>
-              <a:latin typeface="Source Sans Pro Semibold"/>
+              <a:t>An application needs to be in place for content distribution so the digital platforms can consume it.</a:t>
+            </a:r>
+            <a:endParaRPr b="0" lang="en-US" sz="2400" spc="-1" strike="noStrike">
+              <a:solidFill>
+                <a:srgbClr val="000000"/>
+              </a:solidFill>
+              <a:latin typeface="Arial"/>
             </a:endParaRPr>
           </a:p>
           <a:p>
             <a:pPr marL="432000" indent="-324000">
+              <a:lnSpc>
+                <a:spcPct val="100000"/>
+              </a:lnSpc>
               <a:spcAft>
                 <a:spcPts val="1057"/>
               </a:spcAft>
@@ -3107,35 +4057,20 @@
                 </a:solidFill>
                 <a:latin typeface="Source Sans Pro Semibold"/>
               </a:rPr>
-              <a:t>The application must expose content and metadata through an </a:t>
-            </a:r>
-            <a:r>
-              <a:rPr b="1" lang="en-US" sz="2400" spc="-1" strike="noStrike">
-                <a:solidFill>
-                  <a:srgbClr val="2c3e50"/>
-                </a:solidFill>
-                <a:latin typeface="Source Sans Pro Semibold"/>
-              </a:rPr>
-              <a:t>interface that can be easily consumed by digital platform </a:t>
-            </a:r>
-            <a:r>
-              <a:rPr b="1" lang="en-US" sz="2400" spc="-1" strike="noStrike">
-                <a:solidFill>
-                  <a:srgbClr val="2c3e50"/>
-                </a:solidFill>
-                <a:latin typeface="Source Sans Pro Semibold"/>
-              </a:rPr>
-              <a:t>developers as the briefing and order process.</a:t>
-            </a:r>
-            <a:endParaRPr b="1" lang="en-US" sz="2400" spc="-1" strike="noStrike">
-              <a:solidFill>
-                <a:srgbClr val="2c3e50"/>
-              </a:solidFill>
-              <a:latin typeface="Source Sans Pro Semibold"/>
+              <a:t>The application must expose content and metadata through an interface that can be easily consumed by digital platform developers as the briefing and order process.</a:t>
+            </a:r>
+            <a:endParaRPr b="0" lang="en-US" sz="2400" spc="-1" strike="noStrike">
+              <a:solidFill>
+                <a:srgbClr val="000000"/>
+              </a:solidFill>
+              <a:latin typeface="Arial"/>
             </a:endParaRPr>
           </a:p>
           <a:p>
             <a:pPr marL="432000" indent="-324000">
+              <a:lnSpc>
+                <a:spcPct val="100000"/>
+              </a:lnSpc>
               <a:spcAft>
                 <a:spcPts val="1057"/>
               </a:spcAft>
@@ -3155,11 +4090,11 @@
               </a:rPr>
               <a:t>+ Examples of metadata files</a:t>
             </a:r>
-            <a:endParaRPr b="1" lang="en-US" sz="2400" spc="-1" strike="noStrike">
-              <a:solidFill>
-                <a:srgbClr val="2c3e50"/>
-              </a:solidFill>
-              <a:latin typeface="Source Sans Pro Semibold"/>
+            <a:endParaRPr b="0" lang="en-US" sz="2400" spc="-1" strike="noStrike">
+              <a:solidFill>
+                <a:srgbClr val="000000"/>
+              </a:solidFill>
+              <a:latin typeface="Arial"/>
             </a:endParaRPr>
           </a:p>
         </p:txBody>
@@ -3171,14 +4106,14 @@
             <a:spLocks noGrp="1"/>
           </p:cNvSpPr>
           <p:nvPr>
-            <p:ph type="sldNum" idx="3"/>
+            <p:ph type="sldNum" idx="2"/>
           </p:nvPr>
         </p:nvSpPr>
         <p:spPr/>
         <p:txBody>
           <a:bodyPr/>
           <a:p>
-            <a:fld id="{B203E33B-427F-4978-B30B-E2994F2332D5}" type="slidenum">
+            <a:fld id="{08126035-B03F-4970-9629-8678CEEA0FDC}" type="slidenum">
               <a:t>2</a:t>
             </a:fld>
           </a:p>
@@ -3216,7 +4151,7 @@
       </p:grpSpPr>
       <p:sp>
         <p:nvSpPr>
-          <p:cNvPr id="34" name="PlaceHolder 1"/>
+          <p:cNvPr id="41" name="PlaceHolder 1"/>
           <p:cNvSpPr>
             <a:spLocks noGrp="1"/>
           </p:cNvSpPr>
@@ -3227,7 +4162,7 @@
         <p:spPr>
           <a:xfrm>
             <a:off x="360000" y="225720"/>
-            <a:ext cx="9360000" cy="718920"/>
+            <a:ext cx="9359640" cy="718560"/>
           </a:xfrm>
           <a:prstGeom prst="rect">
             <a:avLst/>
@@ -3243,7 +4178,13 @@
           </a:bodyPr>
           <a:p>
             <a:pPr indent="0">
+              <a:lnSpc>
+                <a:spcPct val="100000"/>
+              </a:lnSpc>
               <a:buNone/>
+              <a:tabLst>
+                <a:tab algn="l" pos="0"/>
+              </a:tabLst>
             </a:pPr>
             <a:r>
               <a:rPr b="1" lang="en-US" sz="2700" spc="-1" strike="noStrike">
@@ -3254,18 +4195,18 @@
               </a:rPr>
               <a:t>Requirements (based on the metadata)</a:t>
             </a:r>
-            <a:endParaRPr b="1" lang="en-US" sz="2700" spc="-1" strike="noStrike">
-              <a:solidFill>
-                <a:srgbClr val="ffffff"/>
-              </a:solidFill>
-              <a:latin typeface="Source Sans Pro Black"/>
-            </a:endParaRPr>
-          </a:p>
-        </p:txBody>
-      </p:sp>
-      <p:sp>
-        <p:nvSpPr>
-          <p:cNvPr id="35" name="PlaceHolder 2"/>
+            <a:endParaRPr b="0" lang="en-US" sz="2700" spc="-1" strike="noStrike">
+              <a:solidFill>
+                <a:srgbClr val="000000"/>
+              </a:solidFill>
+              <a:latin typeface="Arial"/>
+            </a:endParaRPr>
+          </a:p>
+        </p:txBody>
+      </p:sp>
+      <p:sp>
+        <p:nvSpPr>
+          <p:cNvPr id="42" name="PlaceHolder 2"/>
           <p:cNvSpPr>
             <a:spLocks noGrp="1"/>
           </p:cNvSpPr>
@@ -3276,7 +4217,7 @@
         <p:spPr>
           <a:xfrm>
             <a:off x="360000" y="1485000"/>
-            <a:ext cx="9360000" cy="3780000"/>
+            <a:ext cx="9359640" cy="3779640"/>
           </a:xfrm>
           <a:prstGeom prst="rect">
             <a:avLst/>
@@ -3292,6 +4233,9 @@
           </a:bodyPr>
           <a:p>
             <a:pPr marL="432000" indent="-324000">
+              <a:lnSpc>
+                <a:spcPct val="100000"/>
+              </a:lnSpc>
               <a:spcAft>
                 <a:spcPts val="1057"/>
               </a:spcAft>
@@ -3311,15 +4255,18 @@
               </a:rPr>
               <a:t>The OrderListMetadata is the format for requests</a:t>
             </a:r>
-            <a:endParaRPr b="1" lang="en-US" sz="2400" spc="-1" strike="noStrike">
-              <a:solidFill>
-                <a:srgbClr val="2c3e50"/>
-              </a:solidFill>
-              <a:latin typeface="Source Sans Pro Semibold"/>
+            <a:endParaRPr b="0" lang="en-US" sz="2400" spc="-1" strike="noStrike">
+              <a:solidFill>
+                <a:srgbClr val="000000"/>
+              </a:solidFill>
+              <a:latin typeface="Arial"/>
             </a:endParaRPr>
           </a:p>
           <a:p>
             <a:pPr marL="432000" indent="-324000">
+              <a:lnSpc>
+                <a:spcPct val="100000"/>
+              </a:lnSpc>
               <a:spcAft>
                 <a:spcPts val="1057"/>
               </a:spcAft>
@@ -3339,15 +4286,18 @@
               </a:rPr>
               <a:t>AssetMetadata and BriefingMetadata represent the aggregated data responses</a:t>
             </a:r>
-            <a:endParaRPr b="1" lang="en-US" sz="2400" spc="-1" strike="noStrike">
-              <a:solidFill>
-                <a:srgbClr val="2c3e50"/>
-              </a:solidFill>
-              <a:latin typeface="Source Sans Pro Semibold"/>
+            <a:endParaRPr b="0" lang="en-US" sz="2400" spc="-1" strike="noStrike">
+              <a:solidFill>
+                <a:srgbClr val="000000"/>
+              </a:solidFill>
+              <a:latin typeface="Arial"/>
             </a:endParaRPr>
           </a:p>
           <a:p>
             <a:pPr marL="432000" indent="-324000">
+              <a:lnSpc>
+                <a:spcPct val="100000"/>
+              </a:lnSpc>
               <a:spcAft>
                 <a:spcPts val="1057"/>
               </a:spcAft>
@@ -3367,11 +4317,11 @@
               </a:rPr>
               <a:t>ContentDistributionMetadata is the comprehensive output of the content distribution platform.</a:t>
             </a:r>
-            <a:endParaRPr b="1" lang="en-US" sz="2400" spc="-1" strike="noStrike">
-              <a:solidFill>
-                <a:srgbClr val="2c3e50"/>
-              </a:solidFill>
-              <a:latin typeface="Source Sans Pro Semibold"/>
+            <a:endParaRPr b="0" lang="en-US" sz="2400" spc="-1" strike="noStrike">
+              <a:solidFill>
+                <a:srgbClr val="000000"/>
+              </a:solidFill>
+              <a:latin typeface="Arial"/>
             </a:endParaRPr>
           </a:p>
         </p:txBody>
@@ -3383,14 +4333,14 @@
             <a:spLocks noGrp="1"/>
           </p:cNvSpPr>
           <p:nvPr>
-            <p:ph type="sldNum" idx="3"/>
+            <p:ph type="sldNum" idx="2"/>
           </p:nvPr>
         </p:nvSpPr>
         <p:spPr/>
         <p:txBody>
           <a:bodyPr/>
           <a:p>
-            <a:fld id="{7139EC45-489B-4204-9E2B-5D743FEDD1B0}" type="slidenum">
+            <a:fld id="{28C93AEC-5A93-447D-9499-F334F86BB971}" type="slidenum">
               <a:t>3</a:t>
             </a:fld>
           </a:p>
@@ -3428,7 +4378,7 @@
       </p:grpSpPr>
       <p:sp>
         <p:nvSpPr>
-          <p:cNvPr id="36" name="PlaceHolder 1"/>
+          <p:cNvPr id="43" name="PlaceHolder 1"/>
           <p:cNvSpPr>
             <a:spLocks noGrp="1"/>
           </p:cNvSpPr>
@@ -3439,7 +4389,7 @@
         <p:spPr>
           <a:xfrm>
             <a:off x="360000" y="225720"/>
-            <a:ext cx="9360000" cy="720000"/>
+            <a:ext cx="9359640" cy="719640"/>
           </a:xfrm>
           <a:prstGeom prst="rect">
             <a:avLst/>
@@ -3455,7 +4405,13 @@
           </a:bodyPr>
           <a:p>
             <a:pPr indent="0">
+              <a:lnSpc>
+                <a:spcPct val="100000"/>
+              </a:lnSpc>
               <a:buNone/>
+              <a:tabLst>
+                <a:tab algn="l" pos="0"/>
+              </a:tabLst>
             </a:pPr>
             <a:r>
               <a:rPr b="1" lang="en-US" sz="2700" spc="-1" strike="noStrike">
@@ -3466,18 +4422,18 @@
               </a:rPr>
               <a:t>Requirements (complexities)</a:t>
             </a:r>
-            <a:endParaRPr b="1" lang="en-US" sz="2700" spc="-1" strike="noStrike">
-              <a:solidFill>
-                <a:srgbClr val="ffffff"/>
-              </a:solidFill>
-              <a:latin typeface="Source Sans Pro Black"/>
-            </a:endParaRPr>
-          </a:p>
-        </p:txBody>
-      </p:sp>
-      <p:sp>
-        <p:nvSpPr>
-          <p:cNvPr id="37" name="PlaceHolder 2"/>
+            <a:endParaRPr b="0" lang="en-US" sz="2700" spc="-1" strike="noStrike">
+              <a:solidFill>
+                <a:srgbClr val="000000"/>
+              </a:solidFill>
+              <a:latin typeface="Arial"/>
+            </a:endParaRPr>
+          </a:p>
+        </p:txBody>
+      </p:sp>
+      <p:sp>
+        <p:nvSpPr>
+          <p:cNvPr id="44" name="PlaceHolder 2"/>
           <p:cNvSpPr>
             <a:spLocks noGrp="1"/>
           </p:cNvSpPr>
@@ -3488,7 +4444,7 @@
         <p:spPr>
           <a:xfrm>
             <a:off x="360000" y="1485000"/>
-            <a:ext cx="9360000" cy="3780000"/>
+            <a:ext cx="9359640" cy="3779640"/>
           </a:xfrm>
           <a:prstGeom prst="rect">
             <a:avLst/>
@@ -3504,6 +4460,9 @@
           </a:bodyPr>
           <a:p>
             <a:pPr marL="432000" indent="-324000">
+              <a:lnSpc>
+                <a:spcPct val="100000"/>
+              </a:lnSpc>
               <a:spcAft>
                 <a:spcPts val="1057"/>
               </a:spcAft>
@@ -3523,15 +4482,18 @@
               </a:rPr>
               <a:t>The app has a backend where they aggregate data from many different domains</a:t>
             </a:r>
-            <a:endParaRPr b="1" lang="en-US" sz="2400" spc="-1" strike="noStrike">
-              <a:solidFill>
-                <a:srgbClr val="2c3e50"/>
-              </a:solidFill>
-              <a:latin typeface="Source Sans Pro Semibold"/>
+            <a:endParaRPr b="0" lang="en-US" sz="2400" spc="-1" strike="noStrike">
+              <a:solidFill>
+                <a:srgbClr val="000000"/>
+              </a:solidFill>
+              <a:latin typeface="Arial"/>
             </a:endParaRPr>
           </a:p>
           <a:p>
             <a:pPr marL="432000" indent="-324000">
+              <a:lnSpc>
+                <a:spcPct val="100000"/>
+              </a:lnSpc>
               <a:spcAft>
                 <a:spcPts val="1057"/>
               </a:spcAft>
@@ -3551,15 +4513,18 @@
               </a:rPr>
               <a:t>There are some missing link between BriefingMetadata and OrderListMetadata</a:t>
             </a:r>
-            <a:endParaRPr b="1" lang="en-US" sz="2400" spc="-1" strike="noStrike">
-              <a:solidFill>
-                <a:srgbClr val="2c3e50"/>
-              </a:solidFill>
-              <a:latin typeface="Source Sans Pro Semibold"/>
+            <a:endParaRPr b="0" lang="en-US" sz="2400" spc="-1" strike="noStrike">
+              <a:solidFill>
+                <a:srgbClr val="000000"/>
+              </a:solidFill>
+              <a:latin typeface="Arial"/>
             </a:endParaRPr>
           </a:p>
           <a:p>
             <a:pPr marL="432000" indent="-324000">
+              <a:lnSpc>
+                <a:spcPct val="100000"/>
+              </a:lnSpc>
               <a:spcAft>
                 <a:spcPts val="1057"/>
               </a:spcAft>
@@ -3579,15 +4544,18 @@
               </a:rPr>
               <a:t>The ContentDistribution file must come from cached or an equivalent solution for a local application</a:t>
             </a:r>
-            <a:endParaRPr b="1" lang="en-US" sz="2400" spc="-1" strike="noStrike">
-              <a:solidFill>
-                <a:srgbClr val="2c3e50"/>
-              </a:solidFill>
-              <a:latin typeface="Source Sans Pro Semibold"/>
+            <a:endParaRPr b="0" lang="en-US" sz="2400" spc="-1" strike="noStrike">
+              <a:solidFill>
+                <a:srgbClr val="000000"/>
+              </a:solidFill>
+              <a:latin typeface="Arial"/>
             </a:endParaRPr>
           </a:p>
           <a:p>
             <a:pPr marL="432000" indent="-324000">
+              <a:lnSpc>
+                <a:spcPct val="100000"/>
+              </a:lnSpc>
               <a:spcAft>
                 <a:spcPts val="1057"/>
               </a:spcAft>
@@ -3607,11 +4575,11 @@
               </a:rPr>
               <a:t>Solution must be designed to run in containers</a:t>
             </a:r>
-            <a:endParaRPr b="1" lang="en-US" sz="2400" spc="-1" strike="noStrike">
-              <a:solidFill>
-                <a:srgbClr val="2c3e50"/>
-              </a:solidFill>
-              <a:latin typeface="Source Sans Pro Semibold"/>
+            <a:endParaRPr b="0" lang="en-US" sz="2400" spc="-1" strike="noStrike">
+              <a:solidFill>
+                <a:srgbClr val="000000"/>
+              </a:solidFill>
+              <a:latin typeface="Arial"/>
             </a:endParaRPr>
           </a:p>
         </p:txBody>
@@ -3623,14 +4591,14 @@
             <a:spLocks noGrp="1"/>
           </p:cNvSpPr>
           <p:nvPr>
-            <p:ph type="sldNum" idx="3"/>
+            <p:ph type="sldNum" idx="2"/>
           </p:nvPr>
         </p:nvSpPr>
         <p:spPr/>
         <p:txBody>
           <a:bodyPr/>
           <a:p>
-            <a:fld id="{577E911F-D145-46B7-893F-0D86F6667274}" type="slidenum">
+            <a:fld id="{CC68373B-ACC0-4DB1-8EDB-ECE5D783FE1C}" type="slidenum">
               <a:t>4</a:t>
             </a:fld>
           </a:p>
@@ -3668,7 +4636,7 @@
       </p:grpSpPr>
       <p:sp>
         <p:nvSpPr>
-          <p:cNvPr id="38" name="PlaceHolder 1"/>
+          <p:cNvPr id="45" name="PlaceHolder 1"/>
           <p:cNvSpPr>
             <a:spLocks noGrp="1"/>
           </p:cNvSpPr>
@@ -3679,7 +4647,7 @@
         <p:spPr>
           <a:xfrm>
             <a:off x="360000" y="225720"/>
-            <a:ext cx="9360000" cy="718920"/>
+            <a:ext cx="9359640" cy="718560"/>
           </a:xfrm>
           <a:prstGeom prst="rect">
             <a:avLst/>
@@ -3695,7 +4663,13 @@
           </a:bodyPr>
           <a:p>
             <a:pPr indent="0">
+              <a:lnSpc>
+                <a:spcPct val="100000"/>
+              </a:lnSpc>
               <a:buNone/>
+              <a:tabLst>
+                <a:tab algn="l" pos="0"/>
+              </a:tabLst>
             </a:pPr>
             <a:r>
               <a:rPr b="1" lang="en-US" sz="2700" spc="-1" strike="noStrike">
@@ -3706,18 +4680,18 @@
               </a:rPr>
               <a:t>Personal complexities</a:t>
             </a:r>
-            <a:endParaRPr b="1" lang="en-US" sz="2700" spc="-1" strike="noStrike">
-              <a:solidFill>
-                <a:srgbClr val="ffffff"/>
-              </a:solidFill>
-              <a:latin typeface="Source Sans Pro Black"/>
-            </a:endParaRPr>
-          </a:p>
-        </p:txBody>
-      </p:sp>
-      <p:sp>
-        <p:nvSpPr>
-          <p:cNvPr id="39" name="PlaceHolder 2"/>
+            <a:endParaRPr b="0" lang="en-US" sz="2700" spc="-1" strike="noStrike">
+              <a:solidFill>
+                <a:srgbClr val="000000"/>
+              </a:solidFill>
+              <a:latin typeface="Arial"/>
+            </a:endParaRPr>
+          </a:p>
+        </p:txBody>
+      </p:sp>
+      <p:sp>
+        <p:nvSpPr>
+          <p:cNvPr id="46" name="PlaceHolder 2"/>
           <p:cNvSpPr>
             <a:spLocks noGrp="1"/>
           </p:cNvSpPr>
@@ -3728,7 +4702,7 @@
         <p:spPr>
           <a:xfrm>
             <a:off x="360000" y="1485000"/>
-            <a:ext cx="9360000" cy="3780000"/>
+            <a:ext cx="9359640" cy="3779640"/>
           </a:xfrm>
           <a:prstGeom prst="rect">
             <a:avLst/>
@@ -3744,6 +4718,9 @@
           </a:bodyPr>
           <a:p>
             <a:pPr marL="432000" indent="-324000">
+              <a:lnSpc>
+                <a:spcPct val="100000"/>
+              </a:lnSpc>
               <a:spcAft>
                 <a:spcPts val="1057"/>
               </a:spcAft>
@@ -3763,15 +4740,18 @@
               </a:rPr>
               <a:t>Limited knowledge of C#</a:t>
             </a:r>
-            <a:endParaRPr b="1" lang="en-US" sz="2400" spc="-1" strike="noStrike">
-              <a:solidFill>
-                <a:srgbClr val="2c3e50"/>
-              </a:solidFill>
-              <a:latin typeface="Source Sans Pro Semibold"/>
+            <a:endParaRPr b="0" lang="en-US" sz="2400" spc="-1" strike="noStrike">
+              <a:solidFill>
+                <a:srgbClr val="000000"/>
+              </a:solidFill>
+              <a:latin typeface="Arial"/>
             </a:endParaRPr>
           </a:p>
           <a:p>
             <a:pPr marL="432000" indent="-324000">
+              <a:lnSpc>
+                <a:spcPct val="100000"/>
+              </a:lnSpc>
               <a:spcAft>
                 <a:spcPts val="1057"/>
               </a:spcAft>
@@ -3791,11 +4771,11 @@
               </a:rPr>
               <a:t>No time to learn it before starting to work on the case</a:t>
             </a:r>
-            <a:endParaRPr b="1" lang="en-US" sz="2400" spc="-1" strike="noStrike">
-              <a:solidFill>
-                <a:srgbClr val="2c3e50"/>
-              </a:solidFill>
-              <a:latin typeface="Source Sans Pro Semibold"/>
+            <a:endParaRPr b="0" lang="en-US" sz="2400" spc="-1" strike="noStrike">
+              <a:solidFill>
+                <a:srgbClr val="000000"/>
+              </a:solidFill>
+              <a:latin typeface="Arial"/>
             </a:endParaRPr>
           </a:p>
         </p:txBody>
@@ -3807,14 +4787,14 @@
             <a:spLocks noGrp="1"/>
           </p:cNvSpPr>
           <p:nvPr>
-            <p:ph type="sldNum" idx="3"/>
+            <p:ph type="sldNum" idx="2"/>
           </p:nvPr>
         </p:nvSpPr>
         <p:spPr/>
         <p:txBody>
           <a:bodyPr/>
           <a:p>
-            <a:fld id="{E1856507-8DE0-4613-9153-6B9AF93DA93D}" type="slidenum">
+            <a:fld id="{F695744A-9CC0-47F5-A286-F50036DF9939}" type="slidenum">
               <a:t>5</a:t>
             </a:fld>
           </a:p>
@@ -3852,7 +4832,7 @@
       </p:grpSpPr>
       <p:sp>
         <p:nvSpPr>
-          <p:cNvPr id="40" name="PlaceHolder 1"/>
+          <p:cNvPr id="47" name="PlaceHolder 1"/>
           <p:cNvSpPr>
             <a:spLocks noGrp="1"/>
           </p:cNvSpPr>
@@ -3863,7 +4843,7 @@
         <p:spPr>
           <a:xfrm>
             <a:off x="360000" y="225720"/>
-            <a:ext cx="9360000" cy="718920"/>
+            <a:ext cx="9359640" cy="718560"/>
           </a:xfrm>
           <a:prstGeom prst="rect">
             <a:avLst/>
@@ -3879,7 +4859,13 @@
           </a:bodyPr>
           <a:p>
             <a:pPr indent="0">
+              <a:lnSpc>
+                <a:spcPct val="100000"/>
+              </a:lnSpc>
               <a:buNone/>
+              <a:tabLst>
+                <a:tab algn="l" pos="0"/>
+              </a:tabLst>
             </a:pPr>
             <a:r>
               <a:rPr b="1" lang="en-US" sz="2700" spc="-1" strike="noStrike">
@@ -3890,18 +4876,18 @@
               </a:rPr>
               <a:t>Solution diagram. System Context level</a:t>
             </a:r>
-            <a:endParaRPr b="1" lang="en-US" sz="2700" spc="-1" strike="noStrike">
-              <a:solidFill>
-                <a:srgbClr val="ffffff"/>
-              </a:solidFill>
-              <a:latin typeface="Source Sans Pro Black"/>
+            <a:endParaRPr b="0" lang="en-US" sz="2700" spc="-1" strike="noStrike">
+              <a:solidFill>
+                <a:srgbClr val="000000"/>
+              </a:solidFill>
+              <a:latin typeface="Arial"/>
             </a:endParaRPr>
           </a:p>
         </p:txBody>
       </p:sp>
       <p:pic>
         <p:nvPicPr>
-          <p:cNvPr id="41" name="" descr=""/>
+          <p:cNvPr id="48" name="" descr=""/>
           <p:cNvPicPr/>
           <p:nvPr/>
         </p:nvPicPr>
@@ -3912,7 +4898,7 @@
         <p:spPr>
           <a:xfrm>
             <a:off x="360000" y="1747440"/>
-            <a:ext cx="9360000" cy="3255120"/>
+            <a:ext cx="9359640" cy="3254760"/>
           </a:xfrm>
           <a:prstGeom prst="rect">
             <a:avLst/>
@@ -3929,14 +4915,14 @@
             <a:spLocks noGrp="1"/>
           </p:cNvSpPr>
           <p:nvPr>
-            <p:ph type="sldNum" idx="3"/>
+            <p:ph type="sldNum" idx="2"/>
           </p:nvPr>
         </p:nvSpPr>
         <p:spPr/>
         <p:txBody>
           <a:bodyPr/>
           <a:p>
-            <a:fld id="{DBDA59E5-6A06-45FF-A703-0F3FAEC5668B}" type="slidenum">
+            <a:fld id="{940B6F55-2565-4B86-870E-45A220C63BEF}" type="slidenum">
               <a:t>6</a:t>
             </a:fld>
           </a:p>
@@ -3974,7 +4960,7 @@
       </p:grpSpPr>
       <p:sp>
         <p:nvSpPr>
-          <p:cNvPr id="42" name="PlaceHolder 1"/>
+          <p:cNvPr id="49" name="PlaceHolder 1"/>
           <p:cNvSpPr>
             <a:spLocks noGrp="1"/>
           </p:cNvSpPr>
@@ -3985,7 +4971,7 @@
         <p:spPr>
           <a:xfrm>
             <a:off x="360000" y="225720"/>
-            <a:ext cx="9360000" cy="718920"/>
+            <a:ext cx="9359640" cy="718560"/>
           </a:xfrm>
           <a:prstGeom prst="rect">
             <a:avLst/>
@@ -4001,7 +4987,13 @@
           </a:bodyPr>
           <a:p>
             <a:pPr indent="0">
+              <a:lnSpc>
+                <a:spcPct val="100000"/>
+              </a:lnSpc>
               <a:buNone/>
+              <a:tabLst>
+                <a:tab algn="l" pos="0"/>
+              </a:tabLst>
             </a:pPr>
             <a:r>
               <a:rPr b="1" lang="en-US" sz="2700" spc="-1" strike="noStrike">
@@ -4012,30 +5004,30 @@
               </a:rPr>
               <a:t>Solution diagram. Container level</a:t>
             </a:r>
-            <a:endParaRPr b="1" lang="en-US" sz="2700" spc="-1" strike="noStrike">
-              <a:solidFill>
-                <a:srgbClr val="ffffff"/>
-              </a:solidFill>
-              <a:latin typeface="Source Sans Pro Black"/>
+            <a:endParaRPr b="0" lang="en-US" sz="2700" spc="-1" strike="noStrike">
+              <a:solidFill>
+                <a:srgbClr val="000000"/>
+              </a:solidFill>
+              <a:latin typeface="Arial"/>
             </a:endParaRPr>
           </a:p>
         </p:txBody>
       </p:sp>
       <p:pic>
         <p:nvPicPr>
-          <p:cNvPr id="43" name="" descr=""/>
+          <p:cNvPr id="50" name="" descr=""/>
           <p:cNvPicPr/>
           <p:nvPr/>
         </p:nvPicPr>
         <p:blipFill>
           <a:blip r:embed="rId1"/>
-          <a:srcRect l="0" t="9307" r="0" b="9060"/>
+          <a:srcRect l="0" t="9307" r="0" b="9062"/>
           <a:stretch/>
         </p:blipFill>
         <p:spPr>
           <a:xfrm>
             <a:off x="1742400" y="1143000"/>
-            <a:ext cx="6258600" cy="4526640"/>
+            <a:ext cx="6258240" cy="4526280"/>
           </a:xfrm>
           <a:prstGeom prst="rect">
             <a:avLst/>
@@ -4052,14 +5044,14 @@
             <a:spLocks noGrp="1"/>
           </p:cNvSpPr>
           <p:nvPr>
-            <p:ph type="sldNum" idx="3"/>
+            <p:ph type="sldNum" idx="2"/>
           </p:nvPr>
         </p:nvSpPr>
         <p:spPr/>
         <p:txBody>
           <a:bodyPr/>
           <a:p>
-            <a:fld id="{2B3900F8-64D1-4F5D-8E65-FAD50444D285}" type="slidenum">
+            <a:fld id="{3B9A112A-46B9-4133-88AF-DEC92876B0BA}" type="slidenum">
               <a:t>7</a:t>
             </a:fld>
           </a:p>
@@ -4097,7 +5089,7 @@
       </p:grpSpPr>
       <p:sp>
         <p:nvSpPr>
-          <p:cNvPr id="44" name="PlaceHolder 1"/>
+          <p:cNvPr id="51" name="PlaceHolder 1"/>
           <p:cNvSpPr>
             <a:spLocks noGrp="1"/>
           </p:cNvSpPr>
@@ -4108,7 +5100,7 @@
         <p:spPr>
           <a:xfrm>
             <a:off x="360000" y="225720"/>
-            <a:ext cx="9360000" cy="718920"/>
+            <a:ext cx="9359640" cy="718560"/>
           </a:xfrm>
           <a:prstGeom prst="rect">
             <a:avLst/>
@@ -4124,7 +5116,13 @@
           </a:bodyPr>
           <a:p>
             <a:pPr indent="0">
+              <a:lnSpc>
+                <a:spcPct val="100000"/>
+              </a:lnSpc>
               <a:buNone/>
+              <a:tabLst>
+                <a:tab algn="l" pos="0"/>
+              </a:tabLst>
             </a:pPr>
             <a:r>
               <a:rPr b="1" lang="en-US" sz="2700" spc="-1" strike="noStrike">
@@ -4135,18 +5133,18 @@
               </a:rPr>
               <a:t>Solution diagram. Component level</a:t>
             </a:r>
-            <a:endParaRPr b="1" lang="en-US" sz="2700" spc="-1" strike="noStrike">
-              <a:solidFill>
-                <a:srgbClr val="ffffff"/>
-              </a:solidFill>
-              <a:latin typeface="Source Sans Pro Black"/>
+            <a:endParaRPr b="0" lang="en-US" sz="2700" spc="-1" strike="noStrike">
+              <a:solidFill>
+                <a:srgbClr val="000000"/>
+              </a:solidFill>
+              <a:latin typeface="Arial"/>
             </a:endParaRPr>
           </a:p>
         </p:txBody>
       </p:sp>
       <p:pic>
         <p:nvPicPr>
-          <p:cNvPr id="45" name="" descr=""/>
+          <p:cNvPr id="52" name="" descr=""/>
           <p:cNvPicPr/>
           <p:nvPr/>
         </p:nvPicPr>
@@ -4158,7 +5156,7 @@
         <p:spPr>
           <a:xfrm>
             <a:off x="0" y="1355400"/>
-            <a:ext cx="10058040" cy="3647160"/>
+            <a:ext cx="10057680" cy="3646800"/>
           </a:xfrm>
           <a:prstGeom prst="rect">
             <a:avLst/>
@@ -4175,14 +5173,14 @@
             <a:spLocks noGrp="1"/>
           </p:cNvSpPr>
           <p:nvPr>
-            <p:ph type="sldNum" idx="3"/>
+            <p:ph type="sldNum" idx="2"/>
           </p:nvPr>
         </p:nvSpPr>
         <p:spPr/>
         <p:txBody>
           <a:bodyPr/>
           <a:p>
-            <a:fld id="{65F86C95-DBA5-4443-AF3C-68B06F62125E}" type="slidenum">
+            <a:fld id="{28F6188E-45EA-452D-8589-F5D21D511824}" type="slidenum">
               <a:t>8</a:t>
             </a:fld>
           </a:p>
@@ -4220,7 +5218,7 @@
       </p:grpSpPr>
       <p:sp>
         <p:nvSpPr>
-          <p:cNvPr id="46" name="PlaceHolder 1"/>
+          <p:cNvPr id="53" name="PlaceHolder 1"/>
           <p:cNvSpPr>
             <a:spLocks noGrp="1"/>
           </p:cNvSpPr>
@@ -4231,7 +5229,7 @@
         <p:spPr>
           <a:xfrm>
             <a:off x="360000" y="225720"/>
-            <a:ext cx="9360000" cy="718920"/>
+            <a:ext cx="9359640" cy="718560"/>
           </a:xfrm>
           <a:prstGeom prst="rect">
             <a:avLst/>
@@ -4247,7 +5245,13 @@
           </a:bodyPr>
           <a:p>
             <a:pPr indent="0">
+              <a:lnSpc>
+                <a:spcPct val="100000"/>
+              </a:lnSpc>
               <a:buNone/>
+              <a:tabLst>
+                <a:tab algn="l" pos="0"/>
+              </a:tabLst>
             </a:pPr>
             <a:r>
               <a:rPr b="1" lang="en-US" sz="2700" spc="-1" strike="noStrike">
@@ -4258,18 +5262,18 @@
               </a:rPr>
               <a:t>Working around the lack of C# knowledge</a:t>
             </a:r>
-            <a:endParaRPr b="1" lang="en-US" sz="2700" spc="-1" strike="noStrike">
-              <a:solidFill>
-                <a:srgbClr val="ffffff"/>
-              </a:solidFill>
-              <a:latin typeface="Source Sans Pro Black"/>
-            </a:endParaRPr>
-          </a:p>
-        </p:txBody>
-      </p:sp>
-      <p:sp>
-        <p:nvSpPr>
-          <p:cNvPr id="47" name="PlaceHolder 2"/>
+            <a:endParaRPr b="0" lang="en-US" sz="2700" spc="-1" strike="noStrike">
+              <a:solidFill>
+                <a:srgbClr val="000000"/>
+              </a:solidFill>
+              <a:latin typeface="Arial"/>
+            </a:endParaRPr>
+          </a:p>
+        </p:txBody>
+      </p:sp>
+      <p:sp>
+        <p:nvSpPr>
+          <p:cNvPr id="54" name="PlaceHolder 2"/>
           <p:cNvSpPr>
             <a:spLocks noGrp="1"/>
           </p:cNvSpPr>
@@ -4280,7 +5284,7 @@
         <p:spPr>
           <a:xfrm>
             <a:off x="360000" y="1485000"/>
-            <a:ext cx="9360000" cy="3780000"/>
+            <a:ext cx="9359640" cy="3779640"/>
           </a:xfrm>
           <a:prstGeom prst="rect">
             <a:avLst/>
@@ -4292,10 +5296,13 @@
         </p:spPr>
         <p:txBody>
           <a:bodyPr lIns="0" rIns="0" tIns="0" bIns="0" anchor="t">
-            <a:normAutofit fontScale="93713"/>
+            <a:normAutofit fontScale="98333" lnSpcReduction="10000"/>
           </a:bodyPr>
           <a:p>
             <a:pPr marL="432000" indent="-324000">
+              <a:lnSpc>
+                <a:spcPct val="100000"/>
+              </a:lnSpc>
               <a:spcAft>
                 <a:spcPts val="1057"/>
               </a:spcAft>
@@ -4315,15 +5322,18 @@
               </a:rPr>
               <a:t>Describe APIs in Swagger and generate the project code</a:t>
             </a:r>
-            <a:endParaRPr b="1" lang="en-US" sz="2400" spc="-1" strike="noStrike">
-              <a:solidFill>
-                <a:srgbClr val="2c3e50"/>
-              </a:solidFill>
-              <a:latin typeface="Source Sans Pro Semibold"/>
+            <a:endParaRPr b="0" lang="en-US" sz="2400" spc="-1" strike="noStrike">
+              <a:solidFill>
+                <a:srgbClr val="000000"/>
+              </a:solidFill>
+              <a:latin typeface="Arial"/>
             </a:endParaRPr>
           </a:p>
           <a:p>
             <a:pPr marL="432000" indent="-324000">
+              <a:lnSpc>
+                <a:spcPct val="100000"/>
+              </a:lnSpc>
               <a:spcAft>
                 <a:spcPts val="1057"/>
               </a:spcAft>
@@ -4341,26 +5351,20 @@
                 </a:solidFill>
                 <a:latin typeface="Source Sans Pro Semibold"/>
               </a:rPr>
-              <a:t>Use hints from an IDE</a:t>
-            </a:r>
-            <a:r>
-              <a:rPr b="1" lang="en-US" sz="2400" spc="-1" strike="noStrike">
-                <a:solidFill>
-                  <a:srgbClr val="2c3e50"/>
-                </a:solidFill>
-                <a:latin typeface="Source Sans Pro Semibold"/>
-              </a:rPr>
-              <a:t> (tried ChatGPT, but it wasn’t helping)</a:t>
-            </a:r>
-            <a:endParaRPr b="1" lang="en-US" sz="2400" spc="-1" strike="noStrike">
-              <a:solidFill>
-                <a:srgbClr val="2c3e50"/>
-              </a:solidFill>
-              <a:latin typeface="Source Sans Pro Semibold"/>
+              <a:t>Use hints from an IDE (tried ChatGPT, but it wasn’t helping)</a:t>
+            </a:r>
+            <a:endParaRPr b="0" lang="en-US" sz="2400" spc="-1" strike="noStrike">
+              <a:solidFill>
+                <a:srgbClr val="000000"/>
+              </a:solidFill>
+              <a:latin typeface="Arial"/>
             </a:endParaRPr>
           </a:p>
           <a:p>
             <a:pPr marL="432000" indent="-324000">
+              <a:lnSpc>
+                <a:spcPct val="100000"/>
+              </a:lnSpc>
               <a:spcAft>
                 <a:spcPts val="1057"/>
               </a:spcAft>
@@ -4380,15 +5384,18 @@
               </a:rPr>
               <a:t>Implementing only the “happy” flow</a:t>
             </a:r>
-            <a:endParaRPr b="1" lang="en-US" sz="2400" spc="-1" strike="noStrike">
-              <a:solidFill>
-                <a:srgbClr val="2c3e50"/>
-              </a:solidFill>
-              <a:latin typeface="Source Sans Pro Semibold"/>
+            <a:endParaRPr b="0" lang="en-US" sz="2400" spc="-1" strike="noStrike">
+              <a:solidFill>
+                <a:srgbClr val="000000"/>
+              </a:solidFill>
+              <a:latin typeface="Arial"/>
             </a:endParaRPr>
           </a:p>
           <a:p>
             <a:pPr marL="432000" indent="-324000">
+              <a:lnSpc>
+                <a:spcPct val="100000"/>
+              </a:lnSpc>
               <a:spcAft>
                 <a:spcPts val="1057"/>
               </a:spcAft>
@@ -4408,15 +5415,18 @@
               </a:rPr>
               <a:t>Using the simplest project setup:</a:t>
             </a:r>
-            <a:endParaRPr b="1" lang="en-US" sz="2400" spc="-1" strike="noStrike">
-              <a:solidFill>
-                <a:srgbClr val="2c3e50"/>
-              </a:solidFill>
-              <a:latin typeface="Source Sans Pro Semibold"/>
+            <a:endParaRPr b="0" lang="en-US" sz="2400" spc="-1" strike="noStrike">
+              <a:solidFill>
+                <a:srgbClr val="000000"/>
+              </a:solidFill>
+              <a:latin typeface="Arial"/>
             </a:endParaRPr>
           </a:p>
           <a:p>
             <a:pPr lvl="1" marL="864000" indent="-324000">
+              <a:lnSpc>
+                <a:spcPct val="100000"/>
+              </a:lnSpc>
               <a:spcAft>
                 <a:spcPts val="850"/>
               </a:spcAft>
@@ -4424,7 +5434,7 @@
                 <a:srgbClr val="2c3e50"/>
               </a:buClr>
               <a:buSzPct val="75000"/>
-              <a:buFont typeface="Symbol" charset="2"/>
+              <a:buFont typeface="Symbol"/>
               <a:buChar char=""/>
             </a:pPr>
             <a:r>
@@ -4438,13 +5448,16 @@
             </a:r>
             <a:endParaRPr b="0" lang="en-US" sz="2100" spc="-1" strike="noStrike">
               <a:solidFill>
-                <a:srgbClr val="2c3e50"/>
-              </a:solidFill>
-              <a:latin typeface="Source Sans Pro"/>
+                <a:srgbClr val="000000"/>
+              </a:solidFill>
+              <a:latin typeface="Arial"/>
             </a:endParaRPr>
           </a:p>
           <a:p>
             <a:pPr lvl="1" marL="864000" indent="-324000">
+              <a:lnSpc>
+                <a:spcPct val="100000"/>
+              </a:lnSpc>
               <a:spcAft>
                 <a:spcPts val="850"/>
               </a:spcAft>
@@ -4452,7 +5465,7 @@
                 <a:srgbClr val="2c3e50"/>
               </a:buClr>
               <a:buSzPct val="75000"/>
-              <a:buFont typeface="Symbol" charset="2"/>
+              <a:buFont typeface="Symbol"/>
               <a:buChar char=""/>
             </a:pPr>
             <a:r>
@@ -4466,13 +5479,16 @@
             </a:r>
             <a:endParaRPr b="0" lang="en-US" sz="2100" spc="-1" strike="noStrike">
               <a:solidFill>
-                <a:srgbClr val="2c3e50"/>
-              </a:solidFill>
-              <a:latin typeface="Source Sans Pro"/>
+                <a:srgbClr val="000000"/>
+              </a:solidFill>
+              <a:latin typeface="Arial"/>
             </a:endParaRPr>
           </a:p>
           <a:p>
             <a:pPr lvl="1" marL="864000" indent="-324000">
+              <a:lnSpc>
+                <a:spcPct val="100000"/>
+              </a:lnSpc>
               <a:spcAft>
                 <a:spcPts val="850"/>
               </a:spcAft>
@@ -4480,7 +5496,7 @@
                 <a:srgbClr val="2c3e50"/>
               </a:buClr>
               <a:buSzPct val="75000"/>
-              <a:buFont typeface="Symbol" charset="2"/>
+              <a:buFont typeface="Symbol"/>
               <a:buChar char=""/>
             </a:pPr>
             <a:r>
@@ -4494,13 +5510,16 @@
             </a:r>
             <a:endParaRPr b="0" lang="en-US" sz="2100" spc="-1" strike="noStrike">
               <a:solidFill>
-                <a:srgbClr val="2c3e50"/>
-              </a:solidFill>
-              <a:latin typeface="Source Sans Pro"/>
+                <a:srgbClr val="000000"/>
+              </a:solidFill>
+              <a:latin typeface="Arial"/>
             </a:endParaRPr>
           </a:p>
           <a:p>
             <a:pPr lvl="1" marL="864000" indent="-324000">
+              <a:lnSpc>
+                <a:spcPct val="100000"/>
+              </a:lnSpc>
               <a:spcAft>
                 <a:spcPts val="850"/>
               </a:spcAft>
@@ -4508,7 +5527,7 @@
                 <a:srgbClr val="2c3e50"/>
               </a:buClr>
               <a:buSzPct val="75000"/>
-              <a:buFont typeface="Symbol" charset="2"/>
+              <a:buFont typeface="Symbol"/>
               <a:buChar char=""/>
             </a:pPr>
             <a:r>
@@ -4522,9 +5541,9 @@
             </a:r>
             <a:endParaRPr b="0" lang="en-US" sz="2100" spc="-1" strike="noStrike">
               <a:solidFill>
-                <a:srgbClr val="2c3e50"/>
-              </a:solidFill>
-              <a:latin typeface="Source Sans Pro"/>
+                <a:srgbClr val="000000"/>
+              </a:solidFill>
+              <a:latin typeface="Arial"/>
             </a:endParaRPr>
           </a:p>
         </p:txBody>
@@ -4536,14 +5555,14 @@
             <a:spLocks noGrp="1"/>
           </p:cNvSpPr>
           <p:nvPr>
-            <p:ph type="sldNum" idx="3"/>
+            <p:ph type="sldNum" idx="2"/>
           </p:nvPr>
         </p:nvSpPr>
         <p:spPr/>
         <p:txBody>
           <a:bodyPr/>
           <a:p>
-            <a:fld id="{7E994376-C3B3-47B6-B774-6F76AA293D83}" type="slidenum">
+            <a:fld id="{B3641D00-869F-42D2-A528-D2376438C51E}" type="slidenum">
               <a:t>9</a:t>
             </a:fld>
           </a:p>
@@ -4878,4 +5897,110 @@
     </a:fmtScheme>
   </a:themeElements>
 </a:theme>
+</file>
+
+<file path=ppt/theme/theme4.xml><?xml version="1.0" encoding="utf-8"?>
+<a:theme xmlns:a="http://schemas.openxmlformats.org/drawingml/2006/main" xmlns:r="http://schemas.openxmlformats.org/officeDocument/2006/relationships" name="Office Theme">
+  <a:themeElements>
+    <a:clrScheme name="LibreOffice">
+      <a:dk1>
+        <a:srgbClr val="000000"/>
+      </a:dk1>
+      <a:lt1>
+        <a:srgbClr val="ffffff"/>
+      </a:lt1>
+      <a:dk2>
+        <a:srgbClr val="000000"/>
+      </a:dk2>
+      <a:lt2>
+        <a:srgbClr val="ffffff"/>
+      </a:lt2>
+      <a:accent1>
+        <a:srgbClr val="18a303"/>
+      </a:accent1>
+      <a:accent2>
+        <a:srgbClr val="0369a3"/>
+      </a:accent2>
+      <a:accent3>
+        <a:srgbClr val="a33e03"/>
+      </a:accent3>
+      <a:accent4>
+        <a:srgbClr val="8e03a3"/>
+      </a:accent4>
+      <a:accent5>
+        <a:srgbClr val="c99c00"/>
+      </a:accent5>
+      <a:accent6>
+        <a:srgbClr val="c9211e"/>
+      </a:accent6>
+      <a:hlink>
+        <a:srgbClr val="0000ee"/>
+      </a:hlink>
+      <a:folHlink>
+        <a:srgbClr val="551a8b"/>
+      </a:folHlink>
+    </a:clrScheme>
+    <a:fontScheme name="Office">
+      <a:majorFont>
+        <a:latin typeface="Arial" pitchFamily="0" charset="1"/>
+        <a:ea typeface="DejaVu Sans" pitchFamily="0" charset="1"/>
+        <a:cs typeface="DejaVu Sans" pitchFamily="0" charset="1"/>
+      </a:majorFont>
+      <a:minorFont>
+        <a:latin typeface="Arial" pitchFamily="0" charset="1"/>
+        <a:ea typeface="DejaVu Sans" pitchFamily="0" charset="1"/>
+        <a:cs typeface="DejaVu Sans" pitchFamily="0" charset="1"/>
+      </a:minorFont>
+    </a:fontScheme>
+    <a:fmtScheme>
+      <a:fillStyleLst>
+        <a:solidFill>
+          <a:schemeClr val="phClr"/>
+        </a:solidFill>
+        <a:solidFill>
+          <a:schemeClr val="phClr"/>
+        </a:solidFill>
+        <a:solidFill>
+          <a:schemeClr val="phClr"/>
+        </a:solidFill>
+      </a:fillStyleLst>
+      <a:lnStyleLst>
+        <a:ln w="6350" cap="flat" cmpd="sng" algn="ctr">
+          <a:prstDash val="solid"/>
+          <a:miter/>
+        </a:ln>
+        <a:ln w="6350" cap="flat" cmpd="sng" algn="ctr">
+          <a:prstDash val="solid"/>
+          <a:miter/>
+        </a:ln>
+        <a:ln w="6350" cap="flat" cmpd="sng" algn="ctr">
+          <a:prstDash val="solid"/>
+          <a:miter/>
+        </a:ln>
+      </a:lnStyleLst>
+      <a:effectStyleLst>
+        <a:effectStyle>
+          <a:effectLst/>
+        </a:effectStyle>
+        <a:effectStyle>
+          <a:effectLst/>
+        </a:effectStyle>
+        <a:effectStyle>
+          <a:effectLst/>
+        </a:effectStyle>
+      </a:effectStyleLst>
+      <a:bgFillStyleLst>
+        <a:solidFill>
+          <a:schemeClr val="phClr"/>
+        </a:solidFill>
+        <a:solidFill>
+          <a:schemeClr val="phClr"/>
+        </a:solidFill>
+        <a:solidFill>
+          <a:schemeClr val="phClr"/>
+        </a:solidFill>
+      </a:bgFillStyleLst>
+    </a:fmtScheme>
+  </a:themeElements>
+</a:theme>
 </file>